--- a/materials/slides/ch03-2.pptx
+++ b/materials/slides/ch03-2.pptx
@@ -140,7 +140,7 @@
   </p:defaultTextStyle>
   <p:extLst>
     <p:ext uri="{EFAFB233-063F-42B5-8137-9DF3F51BA10A}">
-      <p15:sldGuideLst xmlns:p15="http://schemas.microsoft.com/office/powerpoint/2012/main">
+      <p15:sldGuideLst xmlns:p15="http://schemas.microsoft.com/office/powerpoint/2012/main" xmlns="">
         <p15:guide id="1" orient="horz" pos="2160" userDrawn="1">
           <p15:clr>
             <a:srgbClr val="A4A3A4"/>
@@ -162,7 +162,7 @@
   <p:cmAuthor id="1" name="Eetze" initials="E" lastIdx="1" clrIdx="0">
     <p:extLst>
       <p:ext uri="{19B8F6BF-5375-455C-9EA6-DF929625EA0E}">
-        <p15:presenceInfo xmlns:p15="http://schemas.microsoft.com/office/powerpoint/2012/main" userId="Eetze" providerId="None"/>
+        <p15:presenceInfo xmlns:p15="http://schemas.microsoft.com/office/powerpoint/2012/main" xmlns="" userId="Eetze" providerId="None"/>
       </p:ext>
     </p:extLst>
   </p:cmAuthor>
@@ -251,7 +251,7 @@
           <a:p>
             <a:fld id="{A097A4FE-15A4-4468-9890-CEB24014ACB3}" type="datetimeFigureOut">
               <a:rPr lang="zh-CN" altLang="en-US" smtClean="0"/>
-              <a:t>2018/3/19</a:t>
+              <a:t>2018/10/15</a:t>
             </a:fld>
             <a:endParaRPr lang="zh-CN" altLang="en-US"/>
           </a:p>
@@ -563,596 +563,9 @@
           <a:lstStyle/>
           <a:p>
             <a:r>
-              <a:rPr lang="en-US" altLang="zh-CN" sz="1200" b="1" kern="1200" dirty="0" smtClean="0">
-                <a:solidFill>
-                  <a:schemeClr val="tx1"/>
-                </a:solidFill>
-                <a:effectLst/>
-                <a:latin typeface="+mn-lt"/>
-                <a:ea typeface="+mn-ea"/>
-                <a:cs typeface="+mn-cs"/>
-              </a:rPr>
-              <a:t>UI</a:t>
-            </a:r>
-            <a:r>
-              <a:rPr lang="zh-CN" altLang="en-US" sz="1200" b="1" kern="1200" dirty="0" smtClean="0">
-                <a:solidFill>
-                  <a:schemeClr val="tx1"/>
-                </a:solidFill>
-                <a:effectLst/>
-                <a:latin typeface="+mn-lt"/>
-                <a:ea typeface="+mn-ea"/>
-                <a:cs typeface="+mn-cs"/>
-              </a:rPr>
-              <a:t>线程</a:t>
-            </a:r>
-            <a:r>
-              <a:rPr lang="en-US" altLang="zh-CN" sz="1200" kern="1200" dirty="0" smtClean="0">
-                <a:solidFill>
-                  <a:schemeClr val="tx1"/>
-                </a:solidFill>
-                <a:effectLst/>
-                <a:latin typeface="+mn-lt"/>
-                <a:ea typeface="+mn-ea"/>
-                <a:cs typeface="+mn-cs"/>
-              </a:rPr>
-              <a:t>:</a:t>
-            </a:r>
-            <a:r>
-              <a:rPr lang="zh-CN" altLang="en-US" sz="1200" kern="1200" dirty="0" smtClean="0">
-                <a:solidFill>
-                  <a:schemeClr val="tx1"/>
-                </a:solidFill>
-                <a:effectLst/>
-                <a:latin typeface="+mn-lt"/>
-                <a:ea typeface="+mn-ea"/>
-                <a:cs typeface="+mn-cs"/>
-              </a:rPr>
-              <a:t>就是我们的主线程</a:t>
-            </a:r>
-            <a:r>
-              <a:rPr lang="en-US" altLang="zh-CN" sz="1200" kern="1200" dirty="0" smtClean="0">
-                <a:solidFill>
-                  <a:schemeClr val="tx1"/>
-                </a:solidFill>
-                <a:effectLst/>
-                <a:latin typeface="+mn-lt"/>
-                <a:ea typeface="+mn-ea"/>
-                <a:cs typeface="+mn-cs"/>
-              </a:rPr>
-              <a:t>,</a:t>
-            </a:r>
-            <a:r>
-              <a:rPr lang="zh-CN" altLang="en-US" sz="1200" kern="1200" dirty="0" smtClean="0">
-                <a:solidFill>
-                  <a:schemeClr val="tx1"/>
-                </a:solidFill>
-                <a:effectLst/>
-                <a:latin typeface="+mn-lt"/>
-                <a:ea typeface="+mn-ea"/>
-                <a:cs typeface="+mn-cs"/>
-              </a:rPr>
-              <a:t>系统在创建</a:t>
-            </a:r>
-            <a:r>
-              <a:rPr lang="en-US" altLang="zh-CN" sz="1200" kern="1200" dirty="0" smtClean="0">
-                <a:solidFill>
-                  <a:schemeClr val="tx1"/>
-                </a:solidFill>
-                <a:effectLst/>
-                <a:latin typeface="+mn-lt"/>
-                <a:ea typeface="+mn-ea"/>
-                <a:cs typeface="+mn-cs"/>
-              </a:rPr>
-              <a:t>UI</a:t>
-            </a:r>
-            <a:r>
-              <a:rPr lang="zh-CN" altLang="en-US" sz="1200" kern="1200" dirty="0" smtClean="0">
-                <a:solidFill>
-                  <a:schemeClr val="tx1"/>
-                </a:solidFill>
-                <a:effectLst/>
-                <a:latin typeface="+mn-lt"/>
-                <a:ea typeface="+mn-ea"/>
-                <a:cs typeface="+mn-cs"/>
-              </a:rPr>
-              <a:t>线程的时候会初始化一个</a:t>
-            </a:r>
-            <a:r>
-              <a:rPr lang="en-US" altLang="zh-CN" sz="1200" kern="1200" dirty="0" smtClean="0">
-                <a:solidFill>
-                  <a:schemeClr val="tx1"/>
-                </a:solidFill>
-                <a:effectLst/>
-                <a:latin typeface="+mn-lt"/>
-                <a:ea typeface="+mn-ea"/>
-                <a:cs typeface="+mn-cs"/>
-              </a:rPr>
-              <a:t>Looper</a:t>
-            </a:r>
-            <a:r>
-              <a:rPr lang="zh-CN" altLang="en-US" sz="1200" kern="1200" dirty="0" smtClean="0">
-                <a:solidFill>
-                  <a:schemeClr val="tx1"/>
-                </a:solidFill>
-                <a:effectLst/>
-                <a:latin typeface="+mn-lt"/>
-                <a:ea typeface="+mn-ea"/>
-                <a:cs typeface="+mn-cs"/>
-              </a:rPr>
-              <a:t>对象</a:t>
-            </a:r>
-            <a:r>
-              <a:rPr lang="en-US" altLang="zh-CN" sz="1200" kern="1200" dirty="0" smtClean="0">
-                <a:solidFill>
-                  <a:schemeClr val="tx1"/>
-                </a:solidFill>
-                <a:effectLst/>
-                <a:latin typeface="+mn-lt"/>
-                <a:ea typeface="+mn-ea"/>
-                <a:cs typeface="+mn-cs"/>
-              </a:rPr>
-              <a:t>,</a:t>
-            </a:r>
-            <a:r>
-              <a:rPr lang="zh-CN" altLang="en-US" sz="1200" kern="1200" dirty="0" smtClean="0">
-                <a:solidFill>
-                  <a:schemeClr val="tx1"/>
-                </a:solidFill>
-                <a:effectLst/>
-                <a:latin typeface="+mn-lt"/>
-                <a:ea typeface="+mn-ea"/>
-                <a:cs typeface="+mn-cs"/>
-              </a:rPr>
-              <a:t>同时也会创建一个与其关联的</a:t>
-            </a:r>
-            <a:r>
-              <a:rPr lang="en-US" altLang="zh-CN" sz="1200" kern="1200" dirty="0" smtClean="0">
-                <a:solidFill>
-                  <a:schemeClr val="tx1"/>
-                </a:solidFill>
-                <a:effectLst/>
-                <a:latin typeface="+mn-lt"/>
-                <a:ea typeface="+mn-ea"/>
-                <a:cs typeface="+mn-cs"/>
-              </a:rPr>
-              <a:t>MessageQueue;</a:t>
-            </a:r>
-            <a:endParaRPr lang="zh-CN" altLang="en-US" dirty="0" smtClean="0"/>
-          </a:p>
-          <a:p>
-            <a:r>
-              <a:rPr lang="en-US" altLang="zh-CN" sz="1200" b="1" kern="1200" dirty="0" smtClean="0">
-                <a:solidFill>
-                  <a:schemeClr val="tx1"/>
-                </a:solidFill>
-                <a:effectLst/>
-                <a:latin typeface="+mn-lt"/>
-                <a:ea typeface="+mn-ea"/>
-                <a:cs typeface="+mn-cs"/>
-              </a:rPr>
-              <a:t>Handler</a:t>
-            </a:r>
-            <a:r>
-              <a:rPr lang="en-US" altLang="zh-CN" sz="1200" kern="1200" dirty="0" smtClean="0">
-                <a:solidFill>
-                  <a:schemeClr val="tx1"/>
-                </a:solidFill>
-                <a:effectLst/>
-                <a:latin typeface="+mn-lt"/>
-                <a:ea typeface="+mn-ea"/>
-                <a:cs typeface="+mn-cs"/>
-              </a:rPr>
-              <a:t>:</a:t>
-            </a:r>
-            <a:r>
-              <a:rPr lang="zh-CN" altLang="en-US" sz="1200" kern="1200" dirty="0" smtClean="0">
-                <a:solidFill>
-                  <a:schemeClr val="tx1"/>
-                </a:solidFill>
-                <a:effectLst/>
-                <a:latin typeface="+mn-lt"/>
-                <a:ea typeface="+mn-ea"/>
-                <a:cs typeface="+mn-cs"/>
-              </a:rPr>
-              <a:t>作用就是发送与处理信息</a:t>
-            </a:r>
-            <a:r>
-              <a:rPr lang="en-US" altLang="zh-CN" sz="1200" kern="1200" dirty="0" smtClean="0">
-                <a:solidFill>
-                  <a:schemeClr val="tx1"/>
-                </a:solidFill>
-                <a:effectLst/>
-                <a:latin typeface="+mn-lt"/>
-                <a:ea typeface="+mn-ea"/>
-                <a:cs typeface="+mn-cs"/>
-              </a:rPr>
-              <a:t>,</a:t>
-            </a:r>
-            <a:r>
-              <a:rPr lang="zh-CN" altLang="en-US" sz="1200" kern="1200" dirty="0" smtClean="0">
-                <a:solidFill>
-                  <a:schemeClr val="tx1"/>
-                </a:solidFill>
-                <a:effectLst/>
-                <a:latin typeface="+mn-lt"/>
-                <a:ea typeface="+mn-ea"/>
-                <a:cs typeface="+mn-cs"/>
-              </a:rPr>
-              <a:t>如果希望</a:t>
-            </a:r>
-            <a:r>
-              <a:rPr lang="en-US" altLang="zh-CN" sz="1200" kern="1200" dirty="0" smtClean="0">
-                <a:solidFill>
-                  <a:schemeClr val="tx1"/>
-                </a:solidFill>
-                <a:effectLst/>
-                <a:latin typeface="+mn-lt"/>
-                <a:ea typeface="+mn-ea"/>
-                <a:cs typeface="+mn-cs"/>
-              </a:rPr>
-              <a:t>Handler</a:t>
-            </a:r>
-            <a:r>
-              <a:rPr lang="zh-CN" altLang="en-US" sz="1200" kern="1200" dirty="0" smtClean="0">
-                <a:solidFill>
-                  <a:schemeClr val="tx1"/>
-                </a:solidFill>
-                <a:effectLst/>
-                <a:latin typeface="+mn-lt"/>
-                <a:ea typeface="+mn-ea"/>
-                <a:cs typeface="+mn-cs"/>
-              </a:rPr>
-              <a:t>正常工作</a:t>
-            </a:r>
-            <a:r>
-              <a:rPr lang="en-US" altLang="zh-CN" sz="1200" kern="1200" dirty="0" smtClean="0">
-                <a:solidFill>
-                  <a:schemeClr val="tx1"/>
-                </a:solidFill>
-                <a:effectLst/>
-                <a:latin typeface="+mn-lt"/>
-                <a:ea typeface="+mn-ea"/>
-                <a:cs typeface="+mn-cs"/>
-              </a:rPr>
-              <a:t>,</a:t>
-            </a:r>
-            <a:r>
-              <a:rPr lang="zh-CN" altLang="en-US" sz="1200" kern="1200" dirty="0" smtClean="0">
-                <a:solidFill>
-                  <a:schemeClr val="tx1"/>
-                </a:solidFill>
-                <a:effectLst/>
-                <a:latin typeface="+mn-lt"/>
-                <a:ea typeface="+mn-ea"/>
-                <a:cs typeface="+mn-cs"/>
-              </a:rPr>
-              <a:t>在当前线程中要有一个</a:t>
-            </a:r>
-            <a:r>
-              <a:rPr lang="en-US" altLang="zh-CN" sz="1200" kern="1200" dirty="0" smtClean="0">
-                <a:solidFill>
-                  <a:schemeClr val="tx1"/>
-                </a:solidFill>
-                <a:effectLst/>
-                <a:latin typeface="+mn-lt"/>
-                <a:ea typeface="+mn-ea"/>
-                <a:cs typeface="+mn-cs"/>
-              </a:rPr>
-              <a:t>Looper</a:t>
-            </a:r>
-            <a:r>
-              <a:rPr lang="zh-CN" altLang="en-US" sz="1200" kern="1200" dirty="0" smtClean="0">
-                <a:solidFill>
-                  <a:schemeClr val="tx1"/>
-                </a:solidFill>
-                <a:effectLst/>
-                <a:latin typeface="+mn-lt"/>
-                <a:ea typeface="+mn-ea"/>
-                <a:cs typeface="+mn-cs"/>
-              </a:rPr>
-              <a:t>对象</a:t>
-            </a:r>
-            <a:endParaRPr lang="zh-CN" altLang="en-US" dirty="0" smtClean="0"/>
-          </a:p>
-          <a:p>
-            <a:r>
-              <a:rPr lang="en-US" altLang="zh-CN" sz="1200" b="1" kern="1200" dirty="0" smtClean="0">
-                <a:solidFill>
-                  <a:schemeClr val="tx1"/>
-                </a:solidFill>
-                <a:effectLst/>
-                <a:latin typeface="+mn-lt"/>
-                <a:ea typeface="+mn-ea"/>
-                <a:cs typeface="+mn-cs"/>
-              </a:rPr>
-              <a:t>Message</a:t>
-            </a:r>
-            <a:r>
-              <a:rPr lang="en-US" altLang="zh-CN" sz="1200" kern="1200" dirty="0" smtClean="0">
-                <a:solidFill>
-                  <a:schemeClr val="tx1"/>
-                </a:solidFill>
-                <a:effectLst/>
-                <a:latin typeface="+mn-lt"/>
-                <a:ea typeface="+mn-ea"/>
-                <a:cs typeface="+mn-cs"/>
-              </a:rPr>
-              <a:t>:Handler</a:t>
-            </a:r>
-            <a:r>
-              <a:rPr lang="zh-CN" altLang="en-US" sz="1200" kern="1200" dirty="0" smtClean="0">
-                <a:solidFill>
-                  <a:schemeClr val="tx1"/>
-                </a:solidFill>
-                <a:effectLst/>
-                <a:latin typeface="+mn-lt"/>
-                <a:ea typeface="+mn-ea"/>
-                <a:cs typeface="+mn-cs"/>
-              </a:rPr>
-              <a:t>接收与处理的消息对象</a:t>
-            </a:r>
-            <a:endParaRPr lang="zh-CN" altLang="en-US" dirty="0" smtClean="0"/>
-          </a:p>
-          <a:p>
-            <a:r>
-              <a:rPr lang="en-US" altLang="zh-CN" sz="1200" b="1" kern="1200" dirty="0" smtClean="0">
-                <a:solidFill>
-                  <a:schemeClr val="tx1"/>
-                </a:solidFill>
-                <a:effectLst/>
-                <a:latin typeface="+mn-lt"/>
-                <a:ea typeface="+mn-ea"/>
-                <a:cs typeface="+mn-cs"/>
-              </a:rPr>
-              <a:t>MessageQueue</a:t>
-            </a:r>
-            <a:r>
-              <a:rPr lang="en-US" altLang="zh-CN" sz="1200" kern="1200" dirty="0" smtClean="0">
-                <a:solidFill>
-                  <a:schemeClr val="tx1"/>
-                </a:solidFill>
-                <a:effectLst/>
-                <a:latin typeface="+mn-lt"/>
-                <a:ea typeface="+mn-ea"/>
-                <a:cs typeface="+mn-cs"/>
-              </a:rPr>
-              <a:t>:</a:t>
-            </a:r>
-            <a:r>
-              <a:rPr lang="zh-CN" altLang="en-US" sz="1200" kern="1200" dirty="0" smtClean="0">
-                <a:solidFill>
-                  <a:schemeClr val="tx1"/>
-                </a:solidFill>
-                <a:effectLst/>
-                <a:latin typeface="+mn-lt"/>
-                <a:ea typeface="+mn-ea"/>
-                <a:cs typeface="+mn-cs"/>
-              </a:rPr>
-              <a:t>消息队列</a:t>
-            </a:r>
-            <a:r>
-              <a:rPr lang="en-US" altLang="zh-CN" sz="1200" kern="1200" dirty="0" smtClean="0">
-                <a:solidFill>
-                  <a:schemeClr val="tx1"/>
-                </a:solidFill>
-                <a:effectLst/>
-                <a:latin typeface="+mn-lt"/>
-                <a:ea typeface="+mn-ea"/>
-                <a:cs typeface="+mn-cs"/>
-              </a:rPr>
-              <a:t>,</a:t>
-            </a:r>
-            <a:r>
-              <a:rPr lang="zh-CN" altLang="en-US" sz="1200" kern="1200" dirty="0" smtClean="0">
-                <a:solidFill>
-                  <a:schemeClr val="tx1"/>
-                </a:solidFill>
-                <a:effectLst/>
-                <a:latin typeface="+mn-lt"/>
-                <a:ea typeface="+mn-ea"/>
-                <a:cs typeface="+mn-cs"/>
-              </a:rPr>
-              <a:t>先进先出管理</a:t>
-            </a:r>
-            <a:r>
-              <a:rPr lang="en-US" altLang="zh-CN" sz="1200" kern="1200" dirty="0" smtClean="0">
-                <a:solidFill>
-                  <a:schemeClr val="tx1"/>
-                </a:solidFill>
-                <a:effectLst/>
-                <a:latin typeface="+mn-lt"/>
-                <a:ea typeface="+mn-ea"/>
-                <a:cs typeface="+mn-cs"/>
-              </a:rPr>
-              <a:t>Message,</a:t>
-            </a:r>
-            <a:r>
-              <a:rPr lang="zh-CN" altLang="en-US" sz="1200" kern="1200" dirty="0" smtClean="0">
-                <a:solidFill>
-                  <a:schemeClr val="tx1"/>
-                </a:solidFill>
-                <a:effectLst/>
-                <a:latin typeface="+mn-lt"/>
-                <a:ea typeface="+mn-ea"/>
-                <a:cs typeface="+mn-cs"/>
-              </a:rPr>
-              <a:t>在初始化</a:t>
-            </a:r>
-            <a:r>
-              <a:rPr lang="en-US" altLang="zh-CN" sz="1200" kern="1200" dirty="0" smtClean="0">
-                <a:solidFill>
-                  <a:schemeClr val="tx1"/>
-                </a:solidFill>
-                <a:effectLst/>
-                <a:latin typeface="+mn-lt"/>
-                <a:ea typeface="+mn-ea"/>
-                <a:cs typeface="+mn-cs"/>
-              </a:rPr>
-              <a:t>Looper</a:t>
-            </a:r>
-            <a:r>
-              <a:rPr lang="zh-CN" altLang="en-US" sz="1200" kern="1200" dirty="0" smtClean="0">
-                <a:solidFill>
-                  <a:schemeClr val="tx1"/>
-                </a:solidFill>
-                <a:effectLst/>
-                <a:latin typeface="+mn-lt"/>
-                <a:ea typeface="+mn-ea"/>
-                <a:cs typeface="+mn-cs"/>
-              </a:rPr>
-              <a:t>对象时会创建一个与之关联的</a:t>
-            </a:r>
-            <a:r>
-              <a:rPr lang="en-US" altLang="zh-CN" sz="1200" kern="1200" dirty="0" smtClean="0">
-                <a:solidFill>
-                  <a:schemeClr val="tx1"/>
-                </a:solidFill>
-                <a:effectLst/>
-                <a:latin typeface="+mn-lt"/>
-                <a:ea typeface="+mn-ea"/>
-                <a:cs typeface="+mn-cs"/>
-              </a:rPr>
-              <a:t>MessageQueue;</a:t>
-            </a:r>
-            <a:endParaRPr lang="zh-CN" altLang="en-US" dirty="0" smtClean="0"/>
-          </a:p>
-          <a:p>
-            <a:r>
-              <a:rPr lang="en-US" altLang="zh-CN" sz="1200" b="1" kern="1200" dirty="0" smtClean="0">
-                <a:solidFill>
-                  <a:schemeClr val="tx1"/>
-                </a:solidFill>
-                <a:effectLst/>
-                <a:latin typeface="+mn-lt"/>
-                <a:ea typeface="+mn-ea"/>
-                <a:cs typeface="+mn-cs"/>
-              </a:rPr>
-              <a:t>Looper</a:t>
-            </a:r>
-            <a:r>
-              <a:rPr lang="en-US" altLang="zh-CN" sz="1200" kern="1200" dirty="0" smtClean="0">
-                <a:solidFill>
-                  <a:schemeClr val="tx1"/>
-                </a:solidFill>
-                <a:effectLst/>
-                <a:latin typeface="+mn-lt"/>
-                <a:ea typeface="+mn-ea"/>
-                <a:cs typeface="+mn-cs"/>
-              </a:rPr>
-              <a:t>:</a:t>
-            </a:r>
-            <a:r>
-              <a:rPr lang="zh-CN" altLang="en-US" sz="1200" kern="1200" dirty="0" smtClean="0">
-                <a:solidFill>
-                  <a:schemeClr val="tx1"/>
-                </a:solidFill>
-                <a:effectLst/>
-                <a:latin typeface="+mn-lt"/>
-                <a:ea typeface="+mn-ea"/>
-                <a:cs typeface="+mn-cs"/>
-              </a:rPr>
-              <a:t>每个线程只能够有一个</a:t>
-            </a:r>
-            <a:r>
-              <a:rPr lang="en-US" altLang="zh-CN" sz="1200" kern="1200" dirty="0" smtClean="0">
-                <a:solidFill>
-                  <a:schemeClr val="tx1"/>
-                </a:solidFill>
-                <a:effectLst/>
-                <a:latin typeface="+mn-lt"/>
-                <a:ea typeface="+mn-ea"/>
-                <a:cs typeface="+mn-cs"/>
-              </a:rPr>
-              <a:t>Looper,</a:t>
-            </a:r>
-            <a:r>
-              <a:rPr lang="zh-CN" altLang="en-US" sz="1200" kern="1200" dirty="0" smtClean="0">
-                <a:solidFill>
-                  <a:schemeClr val="tx1"/>
-                </a:solidFill>
-                <a:effectLst/>
-                <a:latin typeface="+mn-lt"/>
-                <a:ea typeface="+mn-ea"/>
-                <a:cs typeface="+mn-cs"/>
-              </a:rPr>
-              <a:t>管理</a:t>
-            </a:r>
-            <a:r>
-              <a:rPr lang="en-US" altLang="zh-CN" sz="1200" kern="1200" dirty="0" smtClean="0">
-                <a:solidFill>
-                  <a:schemeClr val="tx1"/>
-                </a:solidFill>
-                <a:effectLst/>
-                <a:latin typeface="+mn-lt"/>
-                <a:ea typeface="+mn-ea"/>
-                <a:cs typeface="+mn-cs"/>
-              </a:rPr>
-              <a:t>MessageQueue,</a:t>
-            </a:r>
-            <a:r>
-              <a:rPr lang="zh-CN" altLang="en-US" sz="1200" kern="1200" dirty="0" smtClean="0">
-                <a:solidFill>
-                  <a:schemeClr val="tx1"/>
-                </a:solidFill>
-                <a:effectLst/>
-                <a:latin typeface="+mn-lt"/>
-                <a:ea typeface="+mn-ea"/>
-                <a:cs typeface="+mn-cs"/>
-              </a:rPr>
-              <a:t>不断地从中取出</a:t>
-            </a:r>
-            <a:r>
-              <a:rPr lang="en-US" altLang="zh-CN" sz="1200" kern="1200" dirty="0" smtClean="0">
-                <a:solidFill>
-                  <a:schemeClr val="tx1"/>
-                </a:solidFill>
-                <a:effectLst/>
-                <a:latin typeface="+mn-lt"/>
-                <a:ea typeface="+mn-ea"/>
-                <a:cs typeface="+mn-cs"/>
-              </a:rPr>
-              <a:t>Message</a:t>
-            </a:r>
-            <a:r>
-              <a:rPr lang="zh-CN" altLang="en-US" sz="1200" kern="1200" dirty="0" smtClean="0">
-                <a:solidFill>
-                  <a:schemeClr val="tx1"/>
-                </a:solidFill>
-                <a:effectLst/>
-                <a:latin typeface="+mn-lt"/>
-                <a:ea typeface="+mn-ea"/>
-                <a:cs typeface="+mn-cs"/>
-              </a:rPr>
-              <a:t>分发给对应的</a:t>
-            </a:r>
-            <a:r>
-              <a:rPr lang="en-US" altLang="zh-CN" sz="1200" kern="1200" dirty="0" smtClean="0">
-                <a:solidFill>
-                  <a:schemeClr val="tx1"/>
-                </a:solidFill>
-                <a:effectLst/>
-                <a:latin typeface="+mn-lt"/>
-                <a:ea typeface="+mn-ea"/>
-                <a:cs typeface="+mn-cs"/>
-              </a:rPr>
-              <a:t>Handler</a:t>
-            </a:r>
-            <a:r>
-              <a:rPr lang="zh-CN" altLang="en-US" sz="1200" kern="1200" dirty="0" smtClean="0">
-                <a:solidFill>
-                  <a:schemeClr val="tx1"/>
-                </a:solidFill>
-                <a:effectLst/>
-                <a:latin typeface="+mn-lt"/>
-                <a:ea typeface="+mn-ea"/>
-                <a:cs typeface="+mn-cs"/>
-              </a:rPr>
-              <a:t>处理</a:t>
-            </a:r>
-            <a:endParaRPr lang="zh-CN" altLang="en-US" dirty="0" smtClean="0"/>
-          </a:p>
-          <a:p>
+              <a:rPr lang="zh-CN" altLang="en-US" dirty="0" smtClean="0"/>
+              <a:t>一些耗时操作，如使用递归函数实现斐波那契数列</a:t>
+            </a:r>
             <a:endParaRPr lang="zh-CN" altLang="en-US" dirty="0"/>
           </a:p>
         </p:txBody>
@@ -1174,7 +587,7 @@
           <a:p>
             <a:fld id="{67AFED13-18EC-4853-B935-6E23F2540B2D}" type="slidenum">
               <a:rPr lang="zh-CN" altLang="en-US" smtClean="0"/>
-              <a:t>11</a:t>
+              <a:t>5</a:t>
             </a:fld>
             <a:endParaRPr lang="zh-CN" altLang="en-US"/>
           </a:p>
@@ -1183,7 +596,7 @@
     </p:spTree>
     <p:extLst>
       <p:ext uri="{BB962C8B-B14F-4D97-AF65-F5344CB8AC3E}">
-        <p14:creationId xmlns:p14="http://schemas.microsoft.com/office/powerpoint/2010/main" val="1843565060"/>
+        <p14:creationId xmlns:p14="http://schemas.microsoft.com/office/powerpoint/2010/main" val="2669412471"/>
       </p:ext>
     </p:extLst>
   </p:cSld>
@@ -1825,89 +1238,6 @@
               </a:rPr>
               <a:t>处理</a:t>
             </a:r>
-            <a:endParaRPr lang="en-US" altLang="zh-CN" sz="1200" kern="1200" dirty="0" smtClean="0">
-              <a:solidFill>
-                <a:schemeClr val="tx1"/>
-              </a:solidFill>
-              <a:effectLst/>
-              <a:latin typeface="+mn-lt"/>
-              <a:ea typeface="+mn-ea"/>
-              <a:cs typeface="+mn-cs"/>
-            </a:endParaRPr>
-          </a:p>
-          <a:p>
-            <a:r>
-              <a:rPr lang="en-US" altLang="zh-CN" sz="1200" b="0" i="0" kern="1200" dirty="0" smtClean="0">
-                <a:solidFill>
-                  <a:schemeClr val="tx1"/>
-                </a:solidFill>
-                <a:effectLst/>
-                <a:latin typeface="+mn-lt"/>
-                <a:ea typeface="+mn-ea"/>
-                <a:cs typeface="+mn-cs"/>
-              </a:rPr>
-              <a:t>Looper</a:t>
-            </a:r>
-            <a:r>
-              <a:rPr lang="zh-CN" altLang="en-US" sz="1200" b="0" i="0" kern="1200" dirty="0" smtClean="0">
-                <a:solidFill>
-                  <a:schemeClr val="tx1"/>
-                </a:solidFill>
-                <a:effectLst/>
-                <a:latin typeface="+mn-lt"/>
-                <a:ea typeface="+mn-ea"/>
-                <a:cs typeface="+mn-cs"/>
-              </a:rPr>
-              <a:t>主要是</a:t>
-            </a:r>
-            <a:r>
-              <a:rPr lang="en-US" altLang="zh-CN" sz="1200" b="0" i="0" kern="1200" dirty="0" smtClean="0">
-                <a:solidFill>
-                  <a:schemeClr val="tx1"/>
-                </a:solidFill>
-                <a:effectLst/>
-                <a:latin typeface="+mn-lt"/>
-                <a:ea typeface="+mn-ea"/>
-                <a:cs typeface="+mn-cs"/>
-              </a:rPr>
-              <a:t>prepare()</a:t>
-            </a:r>
-            <a:r>
-              <a:rPr lang="zh-CN" altLang="en-US" sz="1200" b="0" i="0" kern="1200" dirty="0" smtClean="0">
-                <a:solidFill>
-                  <a:schemeClr val="tx1"/>
-                </a:solidFill>
-                <a:effectLst/>
-                <a:latin typeface="+mn-lt"/>
-                <a:ea typeface="+mn-ea"/>
-                <a:cs typeface="+mn-cs"/>
-              </a:rPr>
-              <a:t>和</a:t>
-            </a:r>
-            <a:r>
-              <a:rPr lang="en-US" altLang="zh-CN" sz="1200" b="0" i="0" kern="1200" dirty="0" smtClean="0">
-                <a:solidFill>
-                  <a:schemeClr val="tx1"/>
-                </a:solidFill>
-                <a:effectLst/>
-                <a:latin typeface="+mn-lt"/>
-                <a:ea typeface="+mn-ea"/>
-                <a:cs typeface="+mn-cs"/>
-              </a:rPr>
-              <a:t>loop()</a:t>
-            </a:r>
-            <a:r>
-              <a:rPr lang="zh-CN" altLang="en-US" sz="1200" b="0" i="0" kern="1200" smtClean="0">
-                <a:solidFill>
-                  <a:schemeClr val="tx1"/>
-                </a:solidFill>
-                <a:effectLst/>
-                <a:latin typeface="+mn-lt"/>
-                <a:ea typeface="+mn-ea"/>
-                <a:cs typeface="+mn-cs"/>
-              </a:rPr>
-              <a:t>两个方法</a:t>
-            </a:r>
             <a:endParaRPr lang="zh-CN" altLang="en-US" dirty="0" smtClean="0"/>
           </a:p>
           <a:p>
@@ -1932,7 +1262,7 @@
           <a:p>
             <a:fld id="{67AFED13-18EC-4853-B935-6E23F2540B2D}" type="slidenum">
               <a:rPr lang="zh-CN" altLang="en-US" smtClean="0"/>
-              <a:t>13</a:t>
+              <a:t>11</a:t>
             </a:fld>
             <a:endParaRPr lang="zh-CN" altLang="en-US"/>
           </a:p>
@@ -1941,7 +1271,7 @@
     </p:spTree>
     <p:extLst>
       <p:ext uri="{BB962C8B-B14F-4D97-AF65-F5344CB8AC3E}">
-        <p14:creationId xmlns:p14="http://schemas.microsoft.com/office/powerpoint/2010/main" val="3823475157"/>
+        <p14:creationId xmlns:p14="http://schemas.microsoft.com/office/powerpoint/2010/main" val="1843565060"/>
       </p:ext>
     </p:extLst>
   </p:cSld>
@@ -2583,6 +1913,89 @@
               </a:rPr>
               <a:t>处理</a:t>
             </a:r>
+            <a:endParaRPr lang="en-US" altLang="zh-CN" sz="1200" kern="1200" dirty="0" smtClean="0">
+              <a:solidFill>
+                <a:schemeClr val="tx1"/>
+              </a:solidFill>
+              <a:effectLst/>
+              <a:latin typeface="+mn-lt"/>
+              <a:ea typeface="+mn-ea"/>
+              <a:cs typeface="+mn-cs"/>
+            </a:endParaRPr>
+          </a:p>
+          <a:p>
+            <a:r>
+              <a:rPr lang="en-US" altLang="zh-CN" sz="1200" b="0" i="0" kern="1200" dirty="0" smtClean="0">
+                <a:solidFill>
+                  <a:schemeClr val="tx1"/>
+                </a:solidFill>
+                <a:effectLst/>
+                <a:latin typeface="+mn-lt"/>
+                <a:ea typeface="+mn-ea"/>
+                <a:cs typeface="+mn-cs"/>
+              </a:rPr>
+              <a:t>Looper</a:t>
+            </a:r>
+            <a:r>
+              <a:rPr lang="zh-CN" altLang="en-US" sz="1200" b="0" i="0" kern="1200" dirty="0" smtClean="0">
+                <a:solidFill>
+                  <a:schemeClr val="tx1"/>
+                </a:solidFill>
+                <a:effectLst/>
+                <a:latin typeface="+mn-lt"/>
+                <a:ea typeface="+mn-ea"/>
+                <a:cs typeface="+mn-cs"/>
+              </a:rPr>
+              <a:t>主要是</a:t>
+            </a:r>
+            <a:r>
+              <a:rPr lang="en-US" altLang="zh-CN" sz="1200" b="0" i="0" kern="1200" dirty="0" smtClean="0">
+                <a:solidFill>
+                  <a:schemeClr val="tx1"/>
+                </a:solidFill>
+                <a:effectLst/>
+                <a:latin typeface="+mn-lt"/>
+                <a:ea typeface="+mn-ea"/>
+                <a:cs typeface="+mn-cs"/>
+              </a:rPr>
+              <a:t>prepare()</a:t>
+            </a:r>
+            <a:r>
+              <a:rPr lang="zh-CN" altLang="en-US" sz="1200" b="0" i="0" kern="1200" dirty="0" smtClean="0">
+                <a:solidFill>
+                  <a:schemeClr val="tx1"/>
+                </a:solidFill>
+                <a:effectLst/>
+                <a:latin typeface="+mn-lt"/>
+                <a:ea typeface="+mn-ea"/>
+                <a:cs typeface="+mn-cs"/>
+              </a:rPr>
+              <a:t>和</a:t>
+            </a:r>
+            <a:r>
+              <a:rPr lang="en-US" altLang="zh-CN" sz="1200" b="0" i="0" kern="1200" dirty="0" smtClean="0">
+                <a:solidFill>
+                  <a:schemeClr val="tx1"/>
+                </a:solidFill>
+                <a:effectLst/>
+                <a:latin typeface="+mn-lt"/>
+                <a:ea typeface="+mn-ea"/>
+                <a:cs typeface="+mn-cs"/>
+              </a:rPr>
+              <a:t>loop()</a:t>
+            </a:r>
+            <a:r>
+              <a:rPr lang="zh-CN" altLang="en-US" sz="1200" b="0" i="0" kern="1200" smtClean="0">
+                <a:solidFill>
+                  <a:schemeClr val="tx1"/>
+                </a:solidFill>
+                <a:effectLst/>
+                <a:latin typeface="+mn-lt"/>
+                <a:ea typeface="+mn-ea"/>
+                <a:cs typeface="+mn-cs"/>
+              </a:rPr>
+              <a:t>两个方法</a:t>
+            </a:r>
             <a:endParaRPr lang="zh-CN" altLang="en-US" dirty="0" smtClean="0"/>
           </a:p>
           <a:p>
@@ -2607,7 +2020,7 @@
           <a:p>
             <a:fld id="{67AFED13-18EC-4853-B935-6E23F2540B2D}" type="slidenum">
               <a:rPr lang="zh-CN" altLang="en-US" smtClean="0"/>
-              <a:t>14</a:t>
+              <a:t>13</a:t>
             </a:fld>
             <a:endParaRPr lang="zh-CN" altLang="en-US"/>
           </a:p>
@@ -2616,7 +2029,7 @@
     </p:spTree>
     <p:extLst>
       <p:ext uri="{BB962C8B-B14F-4D97-AF65-F5344CB8AC3E}">
-        <p14:creationId xmlns:p14="http://schemas.microsoft.com/office/powerpoint/2010/main" val="2122380143"/>
+        <p14:creationId xmlns:p14="http://schemas.microsoft.com/office/powerpoint/2010/main" val="3823475157"/>
       </p:ext>
     </p:extLst>
   </p:cSld>
@@ -2671,849 +2084,597 @@
           <a:lstStyle/>
           <a:p>
             <a:r>
-              <a:rPr lang="en-US" altLang="zh-CN" sz="1200" b="0" kern="1200" dirty="0" smtClean="0">
+              <a:rPr lang="en-US" altLang="zh-CN" sz="1200" b="1" kern="1200" dirty="0" smtClean="0">
                 <a:solidFill>
                   <a:schemeClr val="tx1"/>
                 </a:solidFill>
                 <a:effectLst/>
-                <a:latin typeface="+mn-ea"/>
+                <a:latin typeface="+mn-lt"/>
                 <a:ea typeface="+mn-ea"/>
                 <a:cs typeface="+mn-cs"/>
               </a:rPr>
-              <a:t>https://www.cnblogs.com/fuck1/p/5513412.html</a:t>
-            </a:r>
-          </a:p>
-          <a:p>
-            <a:endParaRPr lang="en-US" altLang="zh-CN" sz="1200" b="0" kern="1200" smtClean="0">
-              <a:solidFill>
-                <a:schemeClr val="tx1"/>
-              </a:solidFill>
-              <a:effectLst/>
-              <a:latin typeface="+mn-ea"/>
-              <a:ea typeface="+mn-ea"/>
-              <a:cs typeface="+mn-cs"/>
-            </a:endParaRPr>
-          </a:p>
-          <a:p>
-            <a:r>
-              <a:rPr lang="zh-CN" altLang="en-US" sz="1200" b="0" kern="1200" smtClean="0">
+              <a:t>UI</a:t>
+            </a:r>
+            <a:r>
+              <a:rPr lang="zh-CN" altLang="en-US" sz="1200" b="1" kern="1200" dirty="0" smtClean="0">
                 <a:solidFill>
                   <a:schemeClr val="tx1"/>
                 </a:solidFill>
                 <a:effectLst/>
-                <a:latin typeface="+mn-ea"/>
+                <a:latin typeface="+mn-lt"/>
                 <a:ea typeface="+mn-ea"/>
                 <a:cs typeface="+mn-cs"/>
               </a:rPr>
-              <a:t>绑定</a:t>
-            </a:r>
-            <a:r>
-              <a:rPr lang="zh-CN" altLang="en-US" sz="1200" b="0" kern="1200" dirty="0" smtClean="0">
+              <a:t>线程</a:t>
+            </a:r>
+            <a:r>
+              <a:rPr lang="en-US" altLang="zh-CN" sz="1200" kern="1200" dirty="0" smtClean="0">
                 <a:solidFill>
                   <a:schemeClr val="tx1"/>
                 </a:solidFill>
                 <a:effectLst/>
-                <a:latin typeface="+mn-ea"/>
+                <a:latin typeface="+mn-lt"/>
                 <a:ea typeface="+mn-ea"/>
                 <a:cs typeface="+mn-cs"/>
               </a:rPr>
-              <a:t>到目标</a:t>
-            </a:r>
-            <a:r>
-              <a:rPr lang="en-US" altLang="zh-CN" sz="1200" b="0" kern="1200" dirty="0" smtClean="0">
+              <a:t>:</a:t>
+            </a:r>
+            <a:r>
+              <a:rPr lang="zh-CN" altLang="en-US" sz="1200" kern="1200" dirty="0" smtClean="0">
                 <a:solidFill>
                   <a:schemeClr val="tx1"/>
                 </a:solidFill>
                 <a:effectLst/>
-                <a:latin typeface="+mn-ea"/>
+                <a:latin typeface="+mn-lt"/>
                 <a:ea typeface="+mn-ea"/>
                 <a:cs typeface="+mn-cs"/>
               </a:rPr>
-              <a:t>handler</a:t>
-            </a:r>
-            <a:r>
-              <a:rPr lang="zh-CN" altLang="en-US" sz="1200" b="0" kern="1200" dirty="0" smtClean="0">
+              <a:t>就是我们的主线程</a:t>
+            </a:r>
+            <a:r>
+              <a:rPr lang="en-US" altLang="zh-CN" sz="1200" kern="1200" dirty="0" smtClean="0">
                 <a:solidFill>
                   <a:schemeClr val="tx1"/>
                 </a:solidFill>
                 <a:effectLst/>
-                <a:latin typeface="+mn-ea"/>
+                <a:latin typeface="+mn-lt"/>
                 <a:ea typeface="+mn-ea"/>
                 <a:cs typeface="+mn-cs"/>
               </a:rPr>
-              <a:t>后，自行进入</a:t>
-            </a:r>
-            <a:r>
-              <a:rPr lang="en-US" altLang="zh-CN" sz="1200" b="0" kern="1200" dirty="0" smtClean="0">
+              <a:t>,</a:t>
+            </a:r>
+            <a:r>
+              <a:rPr lang="zh-CN" altLang="en-US" sz="1200" kern="1200" dirty="0" smtClean="0">
                 <a:solidFill>
                   <a:schemeClr val="tx1"/>
                 </a:solidFill>
                 <a:effectLst/>
-                <a:latin typeface="+mn-ea"/>
+                <a:latin typeface="+mn-lt"/>
                 <a:ea typeface="+mn-ea"/>
                 <a:cs typeface="+mn-cs"/>
               </a:rPr>
-              <a:t>messageQueue,</a:t>
-            </a:r>
-            <a:r>
-              <a:rPr lang="zh-CN" altLang="en-US" sz="1200" b="0" kern="1200" dirty="0" smtClean="0">
+              <a:t>系统在创建</a:t>
+            </a:r>
+            <a:r>
+              <a:rPr lang="en-US" altLang="zh-CN" sz="1200" kern="1200" dirty="0" smtClean="0">
                 <a:solidFill>
                   <a:schemeClr val="tx1"/>
                 </a:solidFill>
                 <a:effectLst/>
-                <a:latin typeface="+mn-ea"/>
+                <a:latin typeface="+mn-lt"/>
                 <a:ea typeface="+mn-ea"/>
                 <a:cs typeface="+mn-cs"/>
               </a:rPr>
-              <a:t>等待</a:t>
-            </a:r>
-            <a:r>
-              <a:rPr lang="en-US" altLang="zh-CN" sz="1200" b="0" kern="1200" dirty="0" smtClean="0">
+              <a:t>UI</a:t>
+            </a:r>
+            <a:r>
+              <a:rPr lang="zh-CN" altLang="en-US" sz="1200" kern="1200" dirty="0" smtClean="0">
                 <a:solidFill>
                   <a:schemeClr val="tx1"/>
                 </a:solidFill>
                 <a:effectLst/>
-                <a:latin typeface="+mn-ea"/>
+                <a:latin typeface="+mn-lt"/>
                 <a:ea typeface="+mn-ea"/>
                 <a:cs typeface="+mn-cs"/>
               </a:rPr>
-              <a:t>handler</a:t>
-            </a:r>
-            <a:r>
-              <a:rPr lang="zh-CN" altLang="en-US" sz="1200" b="0" kern="1200" dirty="0" smtClean="0">
+              <a:t>线程的时候会初始化一个</a:t>
+            </a:r>
+            <a:r>
+              <a:rPr lang="en-US" altLang="zh-CN" sz="1200" kern="1200" dirty="0" smtClean="0">
                 <a:solidFill>
                   <a:schemeClr val="tx1"/>
                 </a:solidFill>
                 <a:effectLst/>
-                <a:latin typeface="+mn-ea"/>
+                <a:latin typeface="+mn-lt"/>
                 <a:ea typeface="+mn-ea"/>
                 <a:cs typeface="+mn-cs"/>
               </a:rPr>
-              <a:t>接受</a:t>
-            </a:r>
-            <a:r>
-              <a:rPr lang="zh-CN" altLang="en-US" sz="1200" b="0" kern="1200" smtClean="0">
+              <a:t>Looper</a:t>
+            </a:r>
+            <a:r>
+              <a:rPr lang="zh-CN" altLang="en-US" sz="1200" kern="1200" dirty="0" smtClean="0">
                 <a:solidFill>
                   <a:schemeClr val="tx1"/>
                 </a:solidFill>
                 <a:effectLst/>
-                <a:latin typeface="+mn-ea"/>
+                <a:latin typeface="+mn-lt"/>
                 <a:ea typeface="+mn-ea"/>
                 <a:cs typeface="+mn-cs"/>
               </a:rPr>
-              <a:t>处理。</a:t>
-            </a:r>
-            <a:endParaRPr lang="en-US" altLang="zh-CN" sz="1200" b="0" kern="1200" smtClean="0">
-              <a:solidFill>
-                <a:schemeClr val="tx1"/>
-              </a:solidFill>
-              <a:effectLst/>
-              <a:latin typeface="+mn-ea"/>
-              <a:ea typeface="+mn-ea"/>
-              <a:cs typeface="+mn-cs"/>
-            </a:endParaRPr>
-          </a:p>
-          <a:p>
-            <a:r>
-              <a:rPr lang="en-US" altLang="zh-CN" sz="1200" b="0" kern="1200" smtClean="0">
+              <a:t>对象</a:t>
+            </a:r>
+            <a:r>
+              <a:rPr lang="en-US" altLang="zh-CN" sz="1200" kern="1200" dirty="0" smtClean="0">
                 <a:solidFill>
                   <a:schemeClr val="tx1"/>
                 </a:solidFill>
                 <a:effectLst/>
-                <a:latin typeface="+mn-ea"/>
+                <a:latin typeface="+mn-lt"/>
                 <a:ea typeface="+mn-ea"/>
                 <a:cs typeface="+mn-cs"/>
               </a:rPr>
-              <a:t>Message</a:t>
-            </a:r>
-            <a:r>
-              <a:rPr lang="zh-CN" altLang="en-US" sz="1200" b="0" kern="1200" smtClean="0">
+              <a:t>,</a:t>
+            </a:r>
+            <a:r>
+              <a:rPr lang="zh-CN" altLang="en-US" sz="1200" kern="1200" dirty="0" smtClean="0">
                 <a:solidFill>
                   <a:schemeClr val="tx1"/>
                 </a:solidFill>
                 <a:effectLst/>
-                <a:latin typeface="+mn-ea"/>
+                <a:latin typeface="+mn-lt"/>
                 <a:ea typeface="+mn-ea"/>
                 <a:cs typeface="+mn-cs"/>
               </a:rPr>
-              <a:t>方法：</a:t>
-            </a:r>
-            <a:endParaRPr lang="en-US" altLang="zh-CN" sz="1200" b="0" kern="1200" smtClean="0">
-              <a:solidFill>
-                <a:schemeClr val="tx1"/>
-              </a:solidFill>
-              <a:effectLst/>
-              <a:latin typeface="+mn-ea"/>
-              <a:ea typeface="+mn-ea"/>
-              <a:cs typeface="+mn-cs"/>
-            </a:endParaRPr>
-          </a:p>
-          <a:p>
-            <a:r>
-              <a:rPr lang="en-US" altLang="zh-CN" sz="1200" b="0" kern="1200" baseline="0" smtClean="0">
+              <a:t>同时也会创建一个与其关联的</a:t>
+            </a:r>
+            <a:r>
+              <a:rPr lang="en-US" altLang="zh-CN" sz="1200" kern="1200" dirty="0" smtClean="0">
                 <a:solidFill>
                   <a:schemeClr val="tx1"/>
                 </a:solidFill>
                 <a:effectLst/>
-                <a:latin typeface="+mn-ea"/>
+                <a:latin typeface="+mn-lt"/>
                 <a:ea typeface="+mn-ea"/>
                 <a:cs typeface="+mn-cs"/>
               </a:rPr>
-              <a:t>    </a:t>
-            </a:r>
-            <a:r>
-              <a:rPr lang="en-US" altLang="zh-CN" sz="1200" b="0" kern="1200" smtClean="0">
+              <a:t>MessageQueue;</a:t>
+            </a:r>
+            <a:endParaRPr lang="zh-CN" altLang="en-US" dirty="0" smtClean="0"/>
+          </a:p>
+          <a:p>
+            <a:r>
+              <a:rPr lang="en-US" altLang="zh-CN" sz="1200" b="1" kern="1200" dirty="0" smtClean="0">
                 <a:solidFill>
                   <a:schemeClr val="tx1"/>
                 </a:solidFill>
                 <a:effectLst/>
-                <a:latin typeface="+mn-ea"/>
+                <a:latin typeface="+mn-lt"/>
                 <a:ea typeface="+mn-ea"/>
                 <a:cs typeface="+mn-cs"/>
               </a:rPr>
-              <a:t>public </a:t>
-            </a:r>
-            <a:r>
-              <a:rPr lang="en-US" altLang="zh-CN" sz="1200" b="0" kern="1200" dirty="0" smtClean="0">
+              <a:t>Handler</a:t>
+            </a:r>
+            <a:r>
+              <a:rPr lang="en-US" altLang="zh-CN" sz="1200" kern="1200" dirty="0" smtClean="0">
                 <a:solidFill>
                   <a:schemeClr val="tx1"/>
                 </a:solidFill>
                 <a:effectLst/>
-                <a:latin typeface="+mn-ea"/>
+                <a:latin typeface="+mn-lt"/>
                 <a:ea typeface="+mn-ea"/>
                 <a:cs typeface="+mn-cs"/>
               </a:rPr>
-              <a:t>static Message obtain(Handler h, int what, int arg1, int arg2, Object obj</a:t>
-            </a:r>
-            <a:r>
-              <a:rPr lang="en-US" altLang="zh-CN" sz="1200" b="0" kern="1200" smtClean="0">
+              <a:t>:</a:t>
+            </a:r>
+            <a:r>
+              <a:rPr lang="zh-CN" altLang="en-US" sz="1200" kern="1200" dirty="0" smtClean="0">
                 <a:solidFill>
                   <a:schemeClr val="tx1"/>
                 </a:solidFill>
                 <a:effectLst/>
-                <a:latin typeface="+mn-ea"/>
+                <a:latin typeface="+mn-lt"/>
                 <a:ea typeface="+mn-ea"/>
                 <a:cs typeface="+mn-cs"/>
               </a:rPr>
-              <a:t>) ,</a:t>
-            </a:r>
-          </a:p>
-          <a:p>
-            <a:r>
-              <a:rPr lang="en-US" altLang="zh-CN" sz="1200" b="0" kern="1200" baseline="0" smtClean="0">
+              <a:t>作用就是发送与处理信息</a:t>
+            </a:r>
+            <a:r>
+              <a:rPr lang="en-US" altLang="zh-CN" sz="1200" kern="1200" dirty="0" smtClean="0">
                 <a:solidFill>
                   <a:schemeClr val="tx1"/>
                 </a:solidFill>
                 <a:effectLst/>
-                <a:latin typeface="+mn-ea"/>
+                <a:latin typeface="+mn-lt"/>
                 <a:ea typeface="+mn-ea"/>
                 <a:cs typeface="+mn-cs"/>
               </a:rPr>
-              <a:t>    </a:t>
-            </a:r>
-            <a:r>
-              <a:rPr lang="zh-CN" altLang="en-US" sz="1200" b="0" kern="1200" smtClean="0">
+              <a:t>,</a:t>
+            </a:r>
+            <a:r>
+              <a:rPr lang="zh-CN" altLang="en-US" sz="1200" kern="1200" dirty="0" smtClean="0">
                 <a:solidFill>
                   <a:schemeClr val="tx1"/>
                 </a:solidFill>
                 <a:effectLst/>
-                <a:latin typeface="+mn-ea"/>
+                <a:latin typeface="+mn-lt"/>
                 <a:ea typeface="+mn-ea"/>
                 <a:cs typeface="+mn-cs"/>
               </a:rPr>
-              <a:t>通过</a:t>
-            </a:r>
-            <a:r>
-              <a:rPr lang="zh-CN" altLang="en-US" sz="1200" b="0" kern="1200" dirty="0" smtClean="0">
+              <a:t>如果希望</a:t>
+            </a:r>
+            <a:r>
+              <a:rPr lang="en-US" altLang="zh-CN" sz="1200" kern="1200" dirty="0" smtClean="0">
                 <a:solidFill>
                   <a:schemeClr val="tx1"/>
                 </a:solidFill>
                 <a:effectLst/>
-                <a:latin typeface="+mn-ea"/>
+                <a:latin typeface="+mn-lt"/>
                 <a:ea typeface="+mn-ea"/>
                 <a:cs typeface="+mn-cs"/>
               </a:rPr>
-              <a:t>该方法可以获得一个</a:t>
-            </a:r>
-            <a:r>
-              <a:rPr lang="zh-CN" altLang="en-US" sz="1200" b="0" kern="1200" smtClean="0">
+              <a:t>Handler</a:t>
+            </a:r>
+            <a:r>
+              <a:rPr lang="zh-CN" altLang="en-US" sz="1200" kern="1200" dirty="0" smtClean="0">
                 <a:solidFill>
                   <a:schemeClr val="tx1"/>
                 </a:solidFill>
                 <a:effectLst/>
-                <a:latin typeface="+mn-ea"/>
+                <a:latin typeface="+mn-lt"/>
                 <a:ea typeface="+mn-ea"/>
                 <a:cs typeface="+mn-cs"/>
               </a:rPr>
-              <a:t>消息：</a:t>
-            </a:r>
-            <a:endParaRPr lang="en-US" altLang="zh-CN" sz="1200" b="0" kern="1200" smtClean="0">
-              <a:solidFill>
-                <a:schemeClr val="tx1"/>
-              </a:solidFill>
-              <a:effectLst/>
-              <a:latin typeface="+mn-ea"/>
-              <a:ea typeface="+mn-ea"/>
-              <a:cs typeface="+mn-cs"/>
-            </a:endParaRPr>
-          </a:p>
-          <a:p>
-            <a:r>
-              <a:rPr lang="en-US" altLang="zh-CN" sz="1200" b="0" kern="1200" baseline="0" smtClean="0">
+              <a:t>正常工作</a:t>
+            </a:r>
+            <a:r>
+              <a:rPr lang="en-US" altLang="zh-CN" sz="1200" kern="1200" dirty="0" smtClean="0">
                 <a:solidFill>
                   <a:schemeClr val="tx1"/>
                 </a:solidFill>
                 <a:effectLst/>
-                <a:latin typeface="+mn-ea"/>
+                <a:latin typeface="+mn-lt"/>
                 <a:ea typeface="+mn-ea"/>
                 <a:cs typeface="+mn-cs"/>
               </a:rPr>
-              <a:t>    </a:t>
-            </a:r>
-            <a:r>
-              <a:rPr lang="en-US" altLang="zh-CN" sz="1200" b="0" kern="1200" smtClean="0">
+              <a:t>,</a:t>
+            </a:r>
+            <a:r>
+              <a:rPr lang="zh-CN" altLang="en-US" sz="1200" kern="1200" dirty="0" smtClean="0">
                 <a:solidFill>
                   <a:schemeClr val="tx1"/>
                 </a:solidFill>
                 <a:effectLst/>
-                <a:latin typeface="+mn-ea"/>
+                <a:latin typeface="+mn-lt"/>
                 <a:ea typeface="+mn-ea"/>
                 <a:cs typeface="+mn-cs"/>
               </a:rPr>
-              <a:t>Message message = Message.obtain(handler, </a:t>
-            </a:r>
-            <a:r>
-              <a:rPr lang="en-US" altLang="zh-CN" sz="1200" b="0" kern="1200" dirty="0" smtClean="0">
+              <a:t>在当前线程中要有一个</a:t>
+            </a:r>
+            <a:r>
+              <a:rPr lang="en-US" altLang="zh-CN" sz="1200" kern="1200" dirty="0" smtClean="0">
                 <a:solidFill>
                   <a:schemeClr val="tx1"/>
                 </a:solidFill>
                 <a:effectLst/>
-                <a:latin typeface="+mn-ea"/>
+                <a:latin typeface="+mn-lt"/>
                 <a:ea typeface="+mn-ea"/>
                 <a:cs typeface="+mn-cs"/>
               </a:rPr>
-              <a:t>33, 2, 3, "hello");</a:t>
-            </a:r>
-            <a:endParaRPr lang="en-US" altLang="zh-CN" b="0" dirty="0" smtClean="0">
-              <a:latin typeface="+mn-ea"/>
-              <a:ea typeface="+mn-ea"/>
-            </a:endParaRPr>
-          </a:p>
-          <a:p>
-            <a:endParaRPr lang="en-US" altLang="zh-CN" sz="1200" b="0" kern="1200" smtClean="0">
-              <a:solidFill>
-                <a:schemeClr val="tx1"/>
-              </a:solidFill>
-              <a:effectLst/>
-              <a:latin typeface="+mn-ea"/>
-              <a:ea typeface="+mn-ea"/>
-              <a:cs typeface="+mn-cs"/>
-            </a:endParaRPr>
-          </a:p>
-          <a:p>
-            <a:r>
-              <a:rPr lang="zh-CN" altLang="en-US" sz="1200" b="0" kern="1200" smtClean="0">
+              <a:t>Looper</a:t>
+            </a:r>
+            <a:r>
+              <a:rPr lang="zh-CN" altLang="en-US" sz="1200" kern="1200" dirty="0" smtClean="0">
                 <a:solidFill>
                   <a:schemeClr val="tx1"/>
                 </a:solidFill>
                 <a:effectLst/>
-                <a:latin typeface="+mn-ea"/>
+                <a:latin typeface="+mn-lt"/>
                 <a:ea typeface="+mn-ea"/>
                 <a:cs typeface="+mn-cs"/>
               </a:rPr>
-              <a:t>发送</a:t>
-            </a:r>
-            <a:r>
-              <a:rPr lang="zh-CN" altLang="en-US" sz="1200" b="0" kern="1200" dirty="0" smtClean="0">
+              <a:t>对象</a:t>
+            </a:r>
+            <a:endParaRPr lang="zh-CN" altLang="en-US" dirty="0" smtClean="0"/>
+          </a:p>
+          <a:p>
+            <a:r>
+              <a:rPr lang="en-US" altLang="zh-CN" sz="1200" b="1" kern="1200" dirty="0" smtClean="0">
                 <a:solidFill>
                   <a:schemeClr val="tx1"/>
                 </a:solidFill>
                 <a:effectLst/>
-                <a:latin typeface="+mn-ea"/>
+                <a:latin typeface="+mn-lt"/>
                 <a:ea typeface="+mn-ea"/>
                 <a:cs typeface="+mn-cs"/>
               </a:rPr>
-              <a:t>消息的方式，有一点将自己绑定好了被发射的感觉，</a:t>
-            </a:r>
-            <a:r>
-              <a:rPr lang="en-US" altLang="zh-CN" sz="1200" b="0" kern="1200" dirty="0" smtClean="0">
+              <a:t>Message</a:t>
+            </a:r>
+            <a:r>
+              <a:rPr lang="en-US" altLang="zh-CN" sz="1200" kern="1200" dirty="0" smtClean="0">
                 <a:solidFill>
                   <a:schemeClr val="tx1"/>
                 </a:solidFill>
                 <a:effectLst/>
-                <a:latin typeface="+mn-ea"/>
+                <a:latin typeface="+mn-lt"/>
                 <a:ea typeface="+mn-ea"/>
                 <a:cs typeface="+mn-cs"/>
               </a:rPr>
-              <a:t>message.sendToTarget(); ---</a:t>
-            </a:r>
-            <a:r>
-              <a:rPr lang="zh-CN" altLang="en-US" sz="1200" b="0" kern="1200" dirty="0" smtClean="0">
+              <a:t>:Handler</a:t>
+            </a:r>
+            <a:r>
+              <a:rPr lang="zh-CN" altLang="en-US" sz="1200" kern="1200" dirty="0" smtClean="0">
                 <a:solidFill>
                   <a:schemeClr val="tx1"/>
                 </a:solidFill>
                 <a:effectLst/>
-                <a:latin typeface="+mn-ea"/>
+                <a:latin typeface="+mn-lt"/>
                 <a:ea typeface="+mn-ea"/>
                 <a:cs typeface="+mn-cs"/>
               </a:rPr>
-              <a:t>被动（</a:t>
-            </a:r>
-            <a:r>
-              <a:rPr lang="zh-CN" altLang="en-US" sz="1200" b="0" kern="1200" smtClean="0">
+              <a:t>接收与处理的消息对象</a:t>
+            </a:r>
+            <a:endParaRPr lang="zh-CN" altLang="en-US" dirty="0" smtClean="0"/>
+          </a:p>
+          <a:p>
+            <a:r>
+              <a:rPr lang="en-US" altLang="zh-CN" sz="1200" b="1" kern="1200" dirty="0" smtClean="0">
                 <a:solidFill>
                   <a:schemeClr val="tx1"/>
                 </a:solidFill>
                 <a:effectLst/>
-                <a:latin typeface="+mn-ea"/>
+                <a:latin typeface="+mn-lt"/>
                 <a:ea typeface="+mn-ea"/>
                 <a:cs typeface="+mn-cs"/>
               </a:rPr>
-              <a:t>意会）</a:t>
-            </a:r>
-            <a:endParaRPr lang="en-US" altLang="zh-CN" sz="1200" b="0" kern="1200" smtClean="0">
-              <a:solidFill>
-                <a:schemeClr val="tx1"/>
-              </a:solidFill>
-              <a:effectLst/>
-              <a:latin typeface="+mn-ea"/>
-              <a:ea typeface="+mn-ea"/>
-              <a:cs typeface="+mn-cs"/>
-            </a:endParaRPr>
-          </a:p>
-          <a:p>
-            <a:endParaRPr lang="en-US" altLang="zh-CN" sz="1200" b="0" kern="1200" dirty="0" smtClean="0">
-              <a:solidFill>
-                <a:schemeClr val="tx1"/>
-              </a:solidFill>
-              <a:effectLst/>
-              <a:latin typeface="+mn-ea"/>
-              <a:ea typeface="+mn-ea"/>
-              <a:cs typeface="+mn-cs"/>
-            </a:endParaRPr>
-          </a:p>
-          <a:p>
-            <a:r>
-              <a:rPr lang="en-US" altLang="zh-CN" sz="1200" b="0" kern="1200" smtClean="0">
+              <a:t>MessageQueue</a:t>
+            </a:r>
+            <a:r>
+              <a:rPr lang="en-US" altLang="zh-CN" sz="1200" kern="1200" dirty="0" smtClean="0">
                 <a:solidFill>
                   <a:schemeClr val="tx1"/>
                 </a:solidFill>
                 <a:effectLst/>
-                <a:latin typeface="+mn-ea"/>
+                <a:latin typeface="+mn-lt"/>
                 <a:ea typeface="+mn-ea"/>
                 <a:cs typeface="+mn-cs"/>
               </a:rPr>
-              <a:t>2</a:t>
-            </a:r>
-            <a:r>
-              <a:rPr lang="zh-CN" altLang="en-US" sz="1200" b="0" kern="1200" dirty="0" smtClean="0">
+              <a:t>:</a:t>
+            </a:r>
+            <a:r>
+              <a:rPr lang="zh-CN" altLang="en-US" sz="1200" kern="1200" dirty="0" smtClean="0">
                 <a:solidFill>
                   <a:schemeClr val="tx1"/>
                 </a:solidFill>
                 <a:effectLst/>
-                <a:latin typeface="+mn-ea"/>
+                <a:latin typeface="+mn-lt"/>
                 <a:ea typeface="+mn-ea"/>
                 <a:cs typeface="+mn-cs"/>
               </a:rPr>
-              <a:t>、</a:t>
-            </a:r>
-            <a:r>
-              <a:rPr lang="en-US" altLang="zh-CN" sz="1200" b="0" kern="1200" dirty="0" smtClean="0">
+              <a:t>消息队列</a:t>
+            </a:r>
+            <a:r>
+              <a:rPr lang="en-US" altLang="zh-CN" sz="1200" kern="1200" dirty="0" smtClean="0">
                 <a:solidFill>
                   <a:schemeClr val="tx1"/>
                 </a:solidFill>
                 <a:effectLst/>
-                <a:latin typeface="+mn-ea"/>
+                <a:latin typeface="+mn-lt"/>
                 <a:ea typeface="+mn-ea"/>
                 <a:cs typeface="+mn-cs"/>
               </a:rPr>
-              <a:t>handler</a:t>
-            </a:r>
-            <a:r>
-              <a:rPr lang="zh-CN" altLang="en-US" sz="1200" b="0" kern="1200" dirty="0" smtClean="0">
+              <a:t>,</a:t>
+            </a:r>
+            <a:r>
+              <a:rPr lang="zh-CN" altLang="en-US" sz="1200" kern="1200" dirty="0" smtClean="0">
                 <a:solidFill>
                   <a:schemeClr val="tx1"/>
                 </a:solidFill>
                 <a:effectLst/>
-                <a:latin typeface="+mn-ea"/>
+                <a:latin typeface="+mn-lt"/>
                 <a:ea typeface="+mn-ea"/>
                 <a:cs typeface="+mn-cs"/>
               </a:rPr>
-              <a:t>主动设置要发送的消息的各个属性值：</a:t>
-            </a:r>
-            <a:r>
-              <a:rPr lang="en-US" altLang="zh-CN" sz="1200" b="0" kern="1200" dirty="0" smtClean="0">
+              <a:t>先进先出管理</a:t>
+            </a:r>
+            <a:r>
+              <a:rPr lang="en-US" altLang="zh-CN" sz="1200" kern="1200" dirty="0" smtClean="0">
                 <a:solidFill>
                   <a:schemeClr val="tx1"/>
                 </a:solidFill>
                 <a:effectLst/>
-                <a:latin typeface="+mn-ea"/>
+                <a:latin typeface="+mn-lt"/>
                 <a:ea typeface="+mn-ea"/>
                 <a:cs typeface="+mn-cs"/>
               </a:rPr>
-              <a:t>arg1</a:t>
-            </a:r>
-            <a:r>
-              <a:rPr lang="zh-CN" altLang="en-US" sz="1200" b="0" kern="1200" dirty="0" smtClean="0">
+              <a:t>Message,</a:t>
+            </a:r>
+            <a:r>
+              <a:rPr lang="zh-CN" altLang="en-US" sz="1200" kern="1200" dirty="0" smtClean="0">
                 <a:solidFill>
                   <a:schemeClr val="tx1"/>
                 </a:solidFill>
                 <a:effectLst/>
-                <a:latin typeface="+mn-ea"/>
+                <a:latin typeface="+mn-lt"/>
                 <a:ea typeface="+mn-ea"/>
                 <a:cs typeface="+mn-cs"/>
               </a:rPr>
-              <a:t>，</a:t>
-            </a:r>
-            <a:r>
-              <a:rPr lang="en-US" altLang="zh-CN" sz="1200" b="0" kern="1200" dirty="0" smtClean="0">
+              <a:t>在初始化</a:t>
+            </a:r>
+            <a:r>
+              <a:rPr lang="en-US" altLang="zh-CN" sz="1200" kern="1200" dirty="0" smtClean="0">
                 <a:solidFill>
                   <a:schemeClr val="tx1"/>
                 </a:solidFill>
                 <a:effectLst/>
-                <a:latin typeface="+mn-ea"/>
+                <a:latin typeface="+mn-lt"/>
                 <a:ea typeface="+mn-ea"/>
                 <a:cs typeface="+mn-cs"/>
               </a:rPr>
-              <a:t>arg2</a:t>
-            </a:r>
-            <a:r>
-              <a:rPr lang="zh-CN" altLang="en-US" sz="1200" b="0" kern="1200" dirty="0" smtClean="0">
+              <a:t>Looper</a:t>
+            </a:r>
+            <a:r>
+              <a:rPr lang="zh-CN" altLang="en-US" sz="1200" kern="1200" dirty="0" smtClean="0">
                 <a:solidFill>
                   <a:schemeClr val="tx1"/>
                 </a:solidFill>
                 <a:effectLst/>
-                <a:latin typeface="+mn-ea"/>
+                <a:latin typeface="+mn-lt"/>
                 <a:ea typeface="+mn-ea"/>
                 <a:cs typeface="+mn-cs"/>
               </a:rPr>
-              <a:t>，</a:t>
-            </a:r>
-            <a:r>
-              <a:rPr lang="en-US" altLang="zh-CN" sz="1200" b="0" kern="1200" dirty="0" smtClean="0">
+              <a:t>对象时会创建一个与之关联的</a:t>
+            </a:r>
+            <a:r>
+              <a:rPr lang="en-US" altLang="zh-CN" sz="1200" kern="1200" dirty="0" smtClean="0">
                 <a:solidFill>
                   <a:schemeClr val="tx1"/>
                 </a:solidFill>
                 <a:effectLst/>
-                <a:latin typeface="+mn-ea"/>
+                <a:latin typeface="+mn-lt"/>
                 <a:ea typeface="+mn-ea"/>
                 <a:cs typeface="+mn-cs"/>
               </a:rPr>
-              <a:t>obj</a:t>
-            </a:r>
-            <a:r>
-              <a:rPr lang="zh-CN" altLang="en-US" sz="1200" b="0" kern="1200" dirty="0" smtClean="0">
+              <a:t>MessageQueue;</a:t>
+            </a:r>
+            <a:endParaRPr lang="zh-CN" altLang="en-US" dirty="0" smtClean="0"/>
+          </a:p>
+          <a:p>
+            <a:r>
+              <a:rPr lang="en-US" altLang="zh-CN" sz="1200" b="1" kern="1200" dirty="0" smtClean="0">
                 <a:solidFill>
                   <a:schemeClr val="tx1"/>
                 </a:solidFill>
                 <a:effectLst/>
-                <a:latin typeface="+mn-ea"/>
+                <a:latin typeface="+mn-lt"/>
                 <a:ea typeface="+mn-ea"/>
                 <a:cs typeface="+mn-cs"/>
               </a:rPr>
-              <a:t>，</a:t>
-            </a:r>
-            <a:r>
-              <a:rPr lang="en-US" altLang="zh-CN" sz="1200" b="0" kern="1200" smtClean="0">
+              <a:t>Looper</a:t>
+            </a:r>
+            <a:r>
+              <a:rPr lang="en-US" altLang="zh-CN" sz="1200" kern="1200" dirty="0" smtClean="0">
                 <a:solidFill>
                   <a:schemeClr val="tx1"/>
                 </a:solidFill>
                 <a:effectLst/>
-                <a:latin typeface="+mn-ea"/>
+                <a:latin typeface="+mn-lt"/>
                 <a:ea typeface="+mn-ea"/>
                 <a:cs typeface="+mn-cs"/>
               </a:rPr>
-              <a:t>what</a:t>
-            </a:r>
-            <a:r>
-              <a:rPr lang="zh-CN" altLang="en-US" sz="1200" b="0" kern="1200" smtClean="0">
+              <a:t>:</a:t>
+            </a:r>
+            <a:r>
+              <a:rPr lang="zh-CN" altLang="en-US" sz="1200" kern="1200" dirty="0" smtClean="0">
                 <a:solidFill>
                   <a:schemeClr val="tx1"/>
                 </a:solidFill>
                 <a:effectLst/>
-                <a:latin typeface="+mn-ea"/>
+                <a:latin typeface="+mn-lt"/>
                 <a:ea typeface="+mn-ea"/>
                 <a:cs typeface="+mn-cs"/>
               </a:rPr>
-              <a:t>。</a:t>
-            </a:r>
-            <a:endParaRPr lang="en-US" altLang="zh-CN" sz="1200" b="0" kern="1200" smtClean="0">
-              <a:solidFill>
-                <a:schemeClr val="tx1"/>
-              </a:solidFill>
-              <a:effectLst/>
-              <a:latin typeface="+mn-ea"/>
-              <a:ea typeface="+mn-ea"/>
-              <a:cs typeface="+mn-cs"/>
-            </a:endParaRPr>
-          </a:p>
-          <a:p>
-            <a:r>
-              <a:rPr lang="zh-CN" altLang="en-US" sz="1200" b="0" kern="1200" smtClean="0">
+              <a:t>每个线程只能够有一个</a:t>
+            </a:r>
+            <a:r>
+              <a:rPr lang="en-US" altLang="zh-CN" sz="1200" kern="1200" dirty="0" smtClean="0">
                 <a:solidFill>
                   <a:schemeClr val="tx1"/>
                 </a:solidFill>
                 <a:effectLst/>
-                <a:latin typeface="+mn-ea"/>
+                <a:latin typeface="+mn-lt"/>
                 <a:ea typeface="+mn-ea"/>
                 <a:cs typeface="+mn-cs"/>
               </a:rPr>
-              <a:t>方法：</a:t>
-            </a:r>
-            <a:endParaRPr lang="en-US" altLang="zh-CN" sz="1200" b="0" kern="1200" smtClean="0">
-              <a:solidFill>
-                <a:schemeClr val="tx1"/>
-              </a:solidFill>
-              <a:effectLst/>
-              <a:latin typeface="+mn-ea"/>
-              <a:ea typeface="+mn-ea"/>
-              <a:cs typeface="+mn-cs"/>
-            </a:endParaRPr>
-          </a:p>
-          <a:p>
-            <a:r>
-              <a:rPr lang="en-US" altLang="zh-CN" sz="1200" b="0" kern="1200" smtClean="0">
+              <a:t>Looper,</a:t>
+            </a:r>
+            <a:r>
+              <a:rPr lang="zh-CN" altLang="en-US" sz="1200" kern="1200" dirty="0" smtClean="0">
                 <a:solidFill>
                   <a:schemeClr val="tx1"/>
                 </a:solidFill>
                 <a:effectLst/>
-                <a:latin typeface="+mn-ea"/>
+                <a:latin typeface="+mn-lt"/>
                 <a:ea typeface="+mn-ea"/>
                 <a:cs typeface="+mn-cs"/>
               </a:rPr>
-              <a:t>    public </a:t>
-            </a:r>
-            <a:r>
-              <a:rPr lang="en-US" altLang="zh-CN" sz="1200" b="0" kern="1200" dirty="0" smtClean="0">
+              <a:t>管理</a:t>
+            </a:r>
+            <a:r>
+              <a:rPr lang="en-US" altLang="zh-CN" sz="1200" kern="1200" dirty="0" smtClean="0">
                 <a:solidFill>
                   <a:schemeClr val="tx1"/>
                 </a:solidFill>
                 <a:effectLst/>
-                <a:latin typeface="+mn-ea"/>
+                <a:latin typeface="+mn-lt"/>
                 <a:ea typeface="+mn-ea"/>
                 <a:cs typeface="+mn-cs"/>
               </a:rPr>
-              <a:t>final Message obtainMessage(int what, int arg1, int arg2, Object obj)</a:t>
-            </a:r>
-            <a:r>
-              <a:rPr lang="en-US" altLang="zh-CN" sz="1200" b="0" kern="1200" smtClean="0">
+              <a:t>MessageQueue,</a:t>
+            </a:r>
+            <a:r>
+              <a:rPr lang="zh-CN" altLang="en-US" sz="1200" kern="1200" dirty="0" smtClean="0">
                 <a:solidFill>
                   <a:schemeClr val="tx1"/>
                 </a:solidFill>
                 <a:effectLst/>
-                <a:latin typeface="+mn-ea"/>
+                <a:latin typeface="+mn-lt"/>
                 <a:ea typeface="+mn-ea"/>
                 <a:cs typeface="+mn-cs"/>
               </a:rPr>
-              <a:t> </a:t>
-            </a:r>
-          </a:p>
-          <a:p>
-            <a:endParaRPr lang="en-US" altLang="zh-CN" sz="1200" b="0" kern="1200" smtClean="0">
-              <a:solidFill>
-                <a:schemeClr val="tx1"/>
-              </a:solidFill>
-              <a:effectLst/>
-              <a:latin typeface="+mn-ea"/>
-              <a:ea typeface="+mn-ea"/>
-              <a:cs typeface="+mn-cs"/>
-            </a:endParaRPr>
-          </a:p>
-          <a:p>
-            <a:r>
-              <a:rPr lang="en-US" altLang="zh-CN" sz="1200" b="0" kern="1200" smtClean="0">
+              <a:t>不断地从中取出</a:t>
+            </a:r>
+            <a:r>
+              <a:rPr lang="en-US" altLang="zh-CN" sz="1200" kern="1200" dirty="0" smtClean="0">
                 <a:solidFill>
                   <a:schemeClr val="tx1"/>
                 </a:solidFill>
                 <a:effectLst/>
-                <a:latin typeface="+mn-ea"/>
+                <a:latin typeface="+mn-lt"/>
                 <a:ea typeface="+mn-ea"/>
                 <a:cs typeface="+mn-cs"/>
               </a:rPr>
-              <a:t>    </a:t>
-            </a:r>
-            <a:r>
-              <a:rPr lang="zh-CN" altLang="en-US" sz="1200" b="0" kern="1200" smtClean="0">
+              <a:t>Message</a:t>
+            </a:r>
+            <a:r>
+              <a:rPr lang="zh-CN" altLang="en-US" sz="1200" kern="1200" dirty="0" smtClean="0">
                 <a:solidFill>
                   <a:schemeClr val="tx1"/>
                 </a:solidFill>
                 <a:effectLst/>
-                <a:latin typeface="+mn-ea"/>
+                <a:latin typeface="+mn-lt"/>
                 <a:ea typeface="+mn-ea"/>
                 <a:cs typeface="+mn-cs"/>
               </a:rPr>
-              <a:t>通过</a:t>
-            </a:r>
-            <a:r>
-              <a:rPr lang="zh-CN" altLang="en-US" sz="1200" b="0" kern="1200" dirty="0" smtClean="0">
+              <a:t>分发给对应的</a:t>
+            </a:r>
+            <a:r>
+              <a:rPr lang="en-US" altLang="zh-CN" sz="1200" kern="1200" dirty="0" smtClean="0">
                 <a:solidFill>
                   <a:schemeClr val="tx1"/>
                 </a:solidFill>
                 <a:effectLst/>
-                <a:latin typeface="+mn-ea"/>
+                <a:latin typeface="+mn-lt"/>
                 <a:ea typeface="+mn-ea"/>
                 <a:cs typeface="+mn-cs"/>
               </a:rPr>
-              <a:t>该方法也可以获得一个</a:t>
-            </a:r>
-            <a:r>
-              <a:rPr lang="zh-CN" altLang="en-US" sz="1200" b="0" kern="1200" smtClean="0">
+              <a:t>Handler</a:t>
+            </a:r>
+            <a:r>
+              <a:rPr lang="zh-CN" altLang="en-US" sz="1200" kern="1200" dirty="0" smtClean="0">
                 <a:solidFill>
                   <a:schemeClr val="tx1"/>
                 </a:solidFill>
                 <a:effectLst/>
-                <a:latin typeface="+mn-ea"/>
+                <a:latin typeface="+mn-lt"/>
                 <a:ea typeface="+mn-ea"/>
                 <a:cs typeface="+mn-cs"/>
               </a:rPr>
-              <a:t>消息：</a:t>
-            </a:r>
-            <a:endParaRPr lang="en-US" altLang="zh-CN" sz="1200" b="0" kern="1200" smtClean="0">
-              <a:solidFill>
-                <a:schemeClr val="tx1"/>
-              </a:solidFill>
-              <a:effectLst/>
-              <a:latin typeface="+mn-ea"/>
-              <a:ea typeface="+mn-ea"/>
-              <a:cs typeface="+mn-cs"/>
-            </a:endParaRPr>
-          </a:p>
-          <a:p>
-            <a:r>
-              <a:rPr lang="en-US" altLang="zh-CN" sz="1200" b="0" kern="1200" smtClean="0">
-                <a:solidFill>
-                  <a:schemeClr val="tx1"/>
-                </a:solidFill>
-                <a:effectLst/>
-                <a:latin typeface="+mn-ea"/>
-                <a:ea typeface="+mn-ea"/>
-                <a:cs typeface="+mn-cs"/>
-              </a:rPr>
-              <a:t>    </a:t>
-            </a:r>
-            <a:r>
-              <a:rPr lang="zh-CN" altLang="en-US" sz="1200" b="0" kern="1200" smtClean="0">
-                <a:solidFill>
-                  <a:schemeClr val="tx1"/>
-                </a:solidFill>
-                <a:effectLst/>
-                <a:latin typeface="+mn-ea"/>
-                <a:ea typeface="+mn-ea"/>
-                <a:cs typeface="+mn-cs"/>
-              </a:rPr>
-              <a:t>比如</a:t>
-            </a:r>
-            <a:r>
-              <a:rPr lang="en-US" altLang="zh-CN" sz="1200" b="0" kern="1200" dirty="0" smtClean="0">
-                <a:solidFill>
-                  <a:schemeClr val="tx1"/>
-                </a:solidFill>
-                <a:effectLst/>
-                <a:latin typeface="+mn-ea"/>
-                <a:ea typeface="+mn-ea"/>
-                <a:cs typeface="+mn-cs"/>
-              </a:rPr>
-              <a:t>Message message = handler.obtainMessage(3, 1, 2, "java");</a:t>
-            </a:r>
-            <a:endParaRPr lang="en-US" altLang="zh-CN" b="0" dirty="0" smtClean="0">
-              <a:latin typeface="+mn-ea"/>
-              <a:ea typeface="+mn-ea"/>
-            </a:endParaRPr>
-          </a:p>
-          <a:p>
-            <a:endParaRPr lang="en-US" altLang="zh-CN" sz="1200" b="0" kern="1200" smtClean="0">
-              <a:solidFill>
-                <a:schemeClr val="tx1"/>
-              </a:solidFill>
-              <a:effectLst/>
-              <a:latin typeface="+mn-ea"/>
-              <a:ea typeface="+mn-ea"/>
-              <a:cs typeface="+mn-cs"/>
-            </a:endParaRPr>
-          </a:p>
-          <a:p>
-            <a:r>
-              <a:rPr lang="zh-CN" altLang="en-US" sz="1200" b="0" kern="1200" smtClean="0">
-                <a:solidFill>
-                  <a:schemeClr val="tx1"/>
-                </a:solidFill>
-                <a:effectLst/>
-                <a:latin typeface="+mn-ea"/>
-                <a:ea typeface="+mn-ea"/>
-                <a:cs typeface="+mn-cs"/>
-              </a:rPr>
-              <a:t>然后</a:t>
-            </a:r>
-            <a:r>
-              <a:rPr lang="zh-CN" altLang="en-US" sz="1200" b="0" kern="1200" dirty="0" smtClean="0">
-                <a:solidFill>
-                  <a:schemeClr val="tx1"/>
-                </a:solidFill>
-                <a:effectLst/>
-                <a:latin typeface="+mn-ea"/>
-                <a:ea typeface="+mn-ea"/>
-                <a:cs typeface="+mn-cs"/>
-              </a:rPr>
-              <a:t>将设置好的消息，由</a:t>
-            </a:r>
-            <a:r>
-              <a:rPr lang="en-US" altLang="zh-CN" sz="1200" b="0" kern="1200" dirty="0" smtClean="0">
-                <a:solidFill>
-                  <a:schemeClr val="tx1"/>
-                </a:solidFill>
-                <a:effectLst/>
-                <a:latin typeface="+mn-ea"/>
-                <a:ea typeface="+mn-ea"/>
-                <a:cs typeface="+mn-cs"/>
-              </a:rPr>
-              <a:t>handler</a:t>
-            </a:r>
-            <a:r>
-              <a:rPr lang="zh-CN" altLang="en-US" sz="1200" b="0" kern="1200" dirty="0" smtClean="0">
-                <a:solidFill>
-                  <a:schemeClr val="tx1"/>
-                </a:solidFill>
-                <a:effectLst/>
-                <a:latin typeface="+mn-ea"/>
-                <a:ea typeface="+mn-ea"/>
-                <a:cs typeface="+mn-cs"/>
-              </a:rPr>
-              <a:t>发送出去：</a:t>
-            </a:r>
-            <a:r>
-              <a:rPr lang="en-US" altLang="zh-CN" sz="1200" b="0" kern="1200" dirty="0" smtClean="0">
-                <a:solidFill>
-                  <a:schemeClr val="tx1"/>
-                </a:solidFill>
-                <a:effectLst/>
-                <a:latin typeface="+mn-ea"/>
-                <a:ea typeface="+mn-ea"/>
-                <a:cs typeface="+mn-cs"/>
-              </a:rPr>
-              <a:t>handler.sendMessage(message);----</a:t>
-            </a:r>
-            <a:r>
-              <a:rPr lang="zh-CN" altLang="en-US" sz="1200" b="0" kern="1200" dirty="0" smtClean="0">
-                <a:solidFill>
-                  <a:schemeClr val="tx1"/>
-                </a:solidFill>
-                <a:effectLst/>
-                <a:latin typeface="+mn-ea"/>
-                <a:ea typeface="+mn-ea"/>
-                <a:cs typeface="+mn-cs"/>
-              </a:rPr>
-              <a:t>主动（自己意会的）。</a:t>
-            </a:r>
-            <a:endParaRPr lang="zh-CN" altLang="en-US" b="0" dirty="0" smtClean="0">
-              <a:latin typeface="+mn-ea"/>
-              <a:ea typeface="+mn-ea"/>
-            </a:endParaRPr>
-          </a:p>
-          <a:p>
-            <a:endParaRPr lang="zh-CN" altLang="en-US" b="0" dirty="0">
-              <a:latin typeface="+mn-ea"/>
-              <a:ea typeface="+mn-ea"/>
-            </a:endParaRPr>
+              <a:t>处理</a:t>
+            </a:r>
+            <a:endParaRPr lang="zh-CN" altLang="en-US" dirty="0" smtClean="0"/>
+          </a:p>
+          <a:p>
+            <a:endParaRPr lang="zh-CN" altLang="en-US" dirty="0"/>
           </a:p>
         </p:txBody>
       </p:sp>
@@ -3534,6 +2695,933 @@
           <a:p>
             <a:fld id="{67AFED13-18EC-4853-B935-6E23F2540B2D}" type="slidenum">
               <a:rPr lang="zh-CN" altLang="en-US" smtClean="0"/>
+              <a:t>14</a:t>
+            </a:fld>
+            <a:endParaRPr lang="zh-CN" altLang="en-US"/>
+          </a:p>
+        </p:txBody>
+      </p:sp>
+    </p:spTree>
+    <p:extLst>
+      <p:ext uri="{BB962C8B-B14F-4D97-AF65-F5344CB8AC3E}">
+        <p14:creationId xmlns:p14="http://schemas.microsoft.com/office/powerpoint/2010/main" val="2122380143"/>
+      </p:ext>
+    </p:extLst>
+  </p:cSld>
+  <p:clrMapOvr>
+    <a:masterClrMapping/>
+  </p:clrMapOvr>
+</p:notes>
+</file>
+
+<file path=ppt/notesSlides/notesSlide5.xml><?xml version="1.0" encoding="utf-8"?>
+<p:notes xmlns:a="http://schemas.openxmlformats.org/drawingml/2006/main" xmlns:r="http://schemas.openxmlformats.org/officeDocument/2006/relationships" xmlns:p="http://schemas.openxmlformats.org/presentationml/2006/main">
+  <p:cSld>
+    <p:spTree>
+      <p:nvGrpSpPr>
+        <p:cNvPr id="1" name=""/>
+        <p:cNvGrpSpPr/>
+        <p:nvPr/>
+      </p:nvGrpSpPr>
+      <p:grpSpPr>
+        <a:xfrm>
+          <a:off x="0" y="0"/>
+          <a:ext cx="0" cy="0"/>
+          <a:chOff x="0" y="0"/>
+          <a:chExt cx="0" cy="0"/>
+        </a:xfrm>
+      </p:grpSpPr>
+      <p:sp>
+        <p:nvSpPr>
+          <p:cNvPr id="2" name="幻灯片图像占位符 1"/>
+          <p:cNvSpPr>
+            <a:spLocks noGrp="1" noRot="1" noChangeAspect="1"/>
+          </p:cNvSpPr>
+          <p:nvPr>
+            <p:ph type="sldImg"/>
+          </p:nvPr>
+        </p:nvSpPr>
+        <p:spPr/>
+      </p:sp>
+      <p:sp>
+        <p:nvSpPr>
+          <p:cNvPr id="3" name="备注占位符 2"/>
+          <p:cNvSpPr>
+            <a:spLocks noGrp="1"/>
+          </p:cNvSpPr>
+          <p:nvPr>
+            <p:ph type="body" idx="1"/>
+          </p:nvPr>
+        </p:nvSpPr>
+        <p:spPr/>
+        <p:txBody>
+          <a:bodyPr/>
+          <a:lstStyle/>
+          <a:p>
+            <a:r>
+              <a:rPr lang="en-US" altLang="zh-CN" sz="1200" b="0" kern="1200" dirty="0" smtClean="0">
+                <a:solidFill>
+                  <a:schemeClr val="tx1"/>
+                </a:solidFill>
+                <a:effectLst/>
+                <a:latin typeface="+mn-ea"/>
+                <a:ea typeface="+mn-ea"/>
+                <a:cs typeface="+mn-cs"/>
+              </a:rPr>
+              <a:t>https://www.cnblogs.com/fuck1/p/5513412.html</a:t>
+            </a:r>
+          </a:p>
+          <a:p>
+            <a:endParaRPr lang="en-US" altLang="zh-CN" sz="1200" b="0" kern="1200" smtClean="0">
+              <a:solidFill>
+                <a:schemeClr val="tx1"/>
+              </a:solidFill>
+              <a:effectLst/>
+              <a:latin typeface="+mn-ea"/>
+              <a:ea typeface="+mn-ea"/>
+              <a:cs typeface="+mn-cs"/>
+            </a:endParaRPr>
+          </a:p>
+          <a:p>
+            <a:r>
+              <a:rPr lang="zh-CN" altLang="en-US" sz="1200" b="0" kern="1200" smtClean="0">
+                <a:solidFill>
+                  <a:schemeClr val="tx1"/>
+                </a:solidFill>
+                <a:effectLst/>
+                <a:latin typeface="+mn-ea"/>
+                <a:ea typeface="+mn-ea"/>
+                <a:cs typeface="+mn-cs"/>
+              </a:rPr>
+              <a:t>绑定</a:t>
+            </a:r>
+            <a:r>
+              <a:rPr lang="zh-CN" altLang="en-US" sz="1200" b="0" kern="1200" dirty="0" smtClean="0">
+                <a:solidFill>
+                  <a:schemeClr val="tx1"/>
+                </a:solidFill>
+                <a:effectLst/>
+                <a:latin typeface="+mn-ea"/>
+                <a:ea typeface="+mn-ea"/>
+                <a:cs typeface="+mn-cs"/>
+              </a:rPr>
+              <a:t>到目标</a:t>
+            </a:r>
+            <a:r>
+              <a:rPr lang="en-US" altLang="zh-CN" sz="1200" b="0" kern="1200" dirty="0" smtClean="0">
+                <a:solidFill>
+                  <a:schemeClr val="tx1"/>
+                </a:solidFill>
+                <a:effectLst/>
+                <a:latin typeface="+mn-ea"/>
+                <a:ea typeface="+mn-ea"/>
+                <a:cs typeface="+mn-cs"/>
+              </a:rPr>
+              <a:t>handler</a:t>
+            </a:r>
+            <a:r>
+              <a:rPr lang="zh-CN" altLang="en-US" sz="1200" b="0" kern="1200" dirty="0" smtClean="0">
+                <a:solidFill>
+                  <a:schemeClr val="tx1"/>
+                </a:solidFill>
+                <a:effectLst/>
+                <a:latin typeface="+mn-ea"/>
+                <a:ea typeface="+mn-ea"/>
+                <a:cs typeface="+mn-cs"/>
+              </a:rPr>
+              <a:t>后，自行进入</a:t>
+            </a:r>
+            <a:r>
+              <a:rPr lang="en-US" altLang="zh-CN" sz="1200" b="0" kern="1200" dirty="0" smtClean="0">
+                <a:solidFill>
+                  <a:schemeClr val="tx1"/>
+                </a:solidFill>
+                <a:effectLst/>
+                <a:latin typeface="+mn-ea"/>
+                <a:ea typeface="+mn-ea"/>
+                <a:cs typeface="+mn-cs"/>
+              </a:rPr>
+              <a:t>messageQueue,</a:t>
+            </a:r>
+            <a:r>
+              <a:rPr lang="zh-CN" altLang="en-US" sz="1200" b="0" kern="1200" dirty="0" smtClean="0">
+                <a:solidFill>
+                  <a:schemeClr val="tx1"/>
+                </a:solidFill>
+                <a:effectLst/>
+                <a:latin typeface="+mn-ea"/>
+                <a:ea typeface="+mn-ea"/>
+                <a:cs typeface="+mn-cs"/>
+              </a:rPr>
+              <a:t>等待</a:t>
+            </a:r>
+            <a:r>
+              <a:rPr lang="en-US" altLang="zh-CN" sz="1200" b="0" kern="1200" dirty="0" smtClean="0">
+                <a:solidFill>
+                  <a:schemeClr val="tx1"/>
+                </a:solidFill>
+                <a:effectLst/>
+                <a:latin typeface="+mn-ea"/>
+                <a:ea typeface="+mn-ea"/>
+                <a:cs typeface="+mn-cs"/>
+              </a:rPr>
+              <a:t>handler</a:t>
+            </a:r>
+            <a:r>
+              <a:rPr lang="zh-CN" altLang="en-US" sz="1200" b="0" kern="1200" dirty="0" smtClean="0">
+                <a:solidFill>
+                  <a:schemeClr val="tx1"/>
+                </a:solidFill>
+                <a:effectLst/>
+                <a:latin typeface="+mn-ea"/>
+                <a:ea typeface="+mn-ea"/>
+                <a:cs typeface="+mn-cs"/>
+              </a:rPr>
+              <a:t>接受</a:t>
+            </a:r>
+            <a:r>
+              <a:rPr lang="zh-CN" altLang="en-US" sz="1200" b="0" kern="1200" smtClean="0">
+                <a:solidFill>
+                  <a:schemeClr val="tx1"/>
+                </a:solidFill>
+                <a:effectLst/>
+                <a:latin typeface="+mn-ea"/>
+                <a:ea typeface="+mn-ea"/>
+                <a:cs typeface="+mn-cs"/>
+              </a:rPr>
+              <a:t>处理。</a:t>
+            </a:r>
+            <a:endParaRPr lang="en-US" altLang="zh-CN" sz="1200" b="0" kern="1200" smtClean="0">
+              <a:solidFill>
+                <a:schemeClr val="tx1"/>
+              </a:solidFill>
+              <a:effectLst/>
+              <a:latin typeface="+mn-ea"/>
+              <a:ea typeface="+mn-ea"/>
+              <a:cs typeface="+mn-cs"/>
+            </a:endParaRPr>
+          </a:p>
+          <a:p>
+            <a:r>
+              <a:rPr lang="en-US" altLang="zh-CN" sz="1200" b="0" kern="1200" smtClean="0">
+                <a:solidFill>
+                  <a:schemeClr val="tx1"/>
+                </a:solidFill>
+                <a:effectLst/>
+                <a:latin typeface="+mn-ea"/>
+                <a:ea typeface="+mn-ea"/>
+                <a:cs typeface="+mn-cs"/>
+              </a:rPr>
+              <a:t>Message</a:t>
+            </a:r>
+            <a:r>
+              <a:rPr lang="zh-CN" altLang="en-US" sz="1200" b="0" kern="1200" smtClean="0">
+                <a:solidFill>
+                  <a:schemeClr val="tx1"/>
+                </a:solidFill>
+                <a:effectLst/>
+                <a:latin typeface="+mn-ea"/>
+                <a:ea typeface="+mn-ea"/>
+                <a:cs typeface="+mn-cs"/>
+              </a:rPr>
+              <a:t>方法：</a:t>
+            </a:r>
+            <a:endParaRPr lang="en-US" altLang="zh-CN" sz="1200" b="0" kern="1200" smtClean="0">
+              <a:solidFill>
+                <a:schemeClr val="tx1"/>
+              </a:solidFill>
+              <a:effectLst/>
+              <a:latin typeface="+mn-ea"/>
+              <a:ea typeface="+mn-ea"/>
+              <a:cs typeface="+mn-cs"/>
+            </a:endParaRPr>
+          </a:p>
+          <a:p>
+            <a:r>
+              <a:rPr lang="en-US" altLang="zh-CN" sz="1200" b="0" kern="1200" baseline="0" smtClean="0">
+                <a:solidFill>
+                  <a:schemeClr val="tx1"/>
+                </a:solidFill>
+                <a:effectLst/>
+                <a:latin typeface="+mn-ea"/>
+                <a:ea typeface="+mn-ea"/>
+                <a:cs typeface="+mn-cs"/>
+              </a:rPr>
+              <a:t>    </a:t>
+            </a:r>
+            <a:r>
+              <a:rPr lang="en-US" altLang="zh-CN" sz="1200" b="0" kern="1200" smtClean="0">
+                <a:solidFill>
+                  <a:schemeClr val="tx1"/>
+                </a:solidFill>
+                <a:effectLst/>
+                <a:latin typeface="+mn-ea"/>
+                <a:ea typeface="+mn-ea"/>
+                <a:cs typeface="+mn-cs"/>
+              </a:rPr>
+              <a:t>public </a:t>
+            </a:r>
+            <a:r>
+              <a:rPr lang="en-US" altLang="zh-CN" sz="1200" b="0" kern="1200" dirty="0" smtClean="0">
+                <a:solidFill>
+                  <a:schemeClr val="tx1"/>
+                </a:solidFill>
+                <a:effectLst/>
+                <a:latin typeface="+mn-ea"/>
+                <a:ea typeface="+mn-ea"/>
+                <a:cs typeface="+mn-cs"/>
+              </a:rPr>
+              <a:t>static Message obtain(Handler h, int what, int arg1, int arg2, Object obj</a:t>
+            </a:r>
+            <a:r>
+              <a:rPr lang="en-US" altLang="zh-CN" sz="1200" b="0" kern="1200" smtClean="0">
+                <a:solidFill>
+                  <a:schemeClr val="tx1"/>
+                </a:solidFill>
+                <a:effectLst/>
+                <a:latin typeface="+mn-ea"/>
+                <a:ea typeface="+mn-ea"/>
+                <a:cs typeface="+mn-cs"/>
+              </a:rPr>
+              <a:t>) ,</a:t>
+            </a:r>
+          </a:p>
+          <a:p>
+            <a:r>
+              <a:rPr lang="en-US" altLang="zh-CN" sz="1200" b="0" kern="1200" baseline="0" smtClean="0">
+                <a:solidFill>
+                  <a:schemeClr val="tx1"/>
+                </a:solidFill>
+                <a:effectLst/>
+                <a:latin typeface="+mn-ea"/>
+                <a:ea typeface="+mn-ea"/>
+                <a:cs typeface="+mn-cs"/>
+              </a:rPr>
+              <a:t>    </a:t>
+            </a:r>
+            <a:r>
+              <a:rPr lang="zh-CN" altLang="en-US" sz="1200" b="0" kern="1200" smtClean="0">
+                <a:solidFill>
+                  <a:schemeClr val="tx1"/>
+                </a:solidFill>
+                <a:effectLst/>
+                <a:latin typeface="+mn-ea"/>
+                <a:ea typeface="+mn-ea"/>
+                <a:cs typeface="+mn-cs"/>
+              </a:rPr>
+              <a:t>通过</a:t>
+            </a:r>
+            <a:r>
+              <a:rPr lang="zh-CN" altLang="en-US" sz="1200" b="0" kern="1200" dirty="0" smtClean="0">
+                <a:solidFill>
+                  <a:schemeClr val="tx1"/>
+                </a:solidFill>
+                <a:effectLst/>
+                <a:latin typeface="+mn-ea"/>
+                <a:ea typeface="+mn-ea"/>
+                <a:cs typeface="+mn-cs"/>
+              </a:rPr>
+              <a:t>该方法可以获得一个</a:t>
+            </a:r>
+            <a:r>
+              <a:rPr lang="zh-CN" altLang="en-US" sz="1200" b="0" kern="1200" smtClean="0">
+                <a:solidFill>
+                  <a:schemeClr val="tx1"/>
+                </a:solidFill>
+                <a:effectLst/>
+                <a:latin typeface="+mn-ea"/>
+                <a:ea typeface="+mn-ea"/>
+                <a:cs typeface="+mn-cs"/>
+              </a:rPr>
+              <a:t>消息：</a:t>
+            </a:r>
+            <a:endParaRPr lang="en-US" altLang="zh-CN" sz="1200" b="0" kern="1200" smtClean="0">
+              <a:solidFill>
+                <a:schemeClr val="tx1"/>
+              </a:solidFill>
+              <a:effectLst/>
+              <a:latin typeface="+mn-ea"/>
+              <a:ea typeface="+mn-ea"/>
+              <a:cs typeface="+mn-cs"/>
+            </a:endParaRPr>
+          </a:p>
+          <a:p>
+            <a:r>
+              <a:rPr lang="en-US" altLang="zh-CN" sz="1200" b="0" kern="1200" baseline="0" smtClean="0">
+                <a:solidFill>
+                  <a:schemeClr val="tx1"/>
+                </a:solidFill>
+                <a:effectLst/>
+                <a:latin typeface="+mn-ea"/>
+                <a:ea typeface="+mn-ea"/>
+                <a:cs typeface="+mn-cs"/>
+              </a:rPr>
+              <a:t>    </a:t>
+            </a:r>
+            <a:r>
+              <a:rPr lang="en-US" altLang="zh-CN" sz="1200" b="0" kern="1200" smtClean="0">
+                <a:solidFill>
+                  <a:schemeClr val="tx1"/>
+                </a:solidFill>
+                <a:effectLst/>
+                <a:latin typeface="+mn-ea"/>
+                <a:ea typeface="+mn-ea"/>
+                <a:cs typeface="+mn-cs"/>
+              </a:rPr>
+              <a:t>Message message = Message.obtain(handler, </a:t>
+            </a:r>
+            <a:r>
+              <a:rPr lang="en-US" altLang="zh-CN" sz="1200" b="0" kern="1200" dirty="0" smtClean="0">
+                <a:solidFill>
+                  <a:schemeClr val="tx1"/>
+                </a:solidFill>
+                <a:effectLst/>
+                <a:latin typeface="+mn-ea"/>
+                <a:ea typeface="+mn-ea"/>
+                <a:cs typeface="+mn-cs"/>
+              </a:rPr>
+              <a:t>33, 2, 3, "hello");</a:t>
+            </a:r>
+            <a:endParaRPr lang="en-US" altLang="zh-CN" b="0" dirty="0" smtClean="0">
+              <a:latin typeface="+mn-ea"/>
+              <a:ea typeface="+mn-ea"/>
+            </a:endParaRPr>
+          </a:p>
+          <a:p>
+            <a:endParaRPr lang="en-US" altLang="zh-CN" sz="1200" b="0" kern="1200" smtClean="0">
+              <a:solidFill>
+                <a:schemeClr val="tx1"/>
+              </a:solidFill>
+              <a:effectLst/>
+              <a:latin typeface="+mn-ea"/>
+              <a:ea typeface="+mn-ea"/>
+              <a:cs typeface="+mn-cs"/>
+            </a:endParaRPr>
+          </a:p>
+          <a:p>
+            <a:r>
+              <a:rPr lang="zh-CN" altLang="en-US" sz="1200" b="0" kern="1200" smtClean="0">
+                <a:solidFill>
+                  <a:schemeClr val="tx1"/>
+                </a:solidFill>
+                <a:effectLst/>
+                <a:latin typeface="+mn-ea"/>
+                <a:ea typeface="+mn-ea"/>
+                <a:cs typeface="+mn-cs"/>
+              </a:rPr>
+              <a:t>发送</a:t>
+            </a:r>
+            <a:r>
+              <a:rPr lang="zh-CN" altLang="en-US" sz="1200" b="0" kern="1200" dirty="0" smtClean="0">
+                <a:solidFill>
+                  <a:schemeClr val="tx1"/>
+                </a:solidFill>
+                <a:effectLst/>
+                <a:latin typeface="+mn-ea"/>
+                <a:ea typeface="+mn-ea"/>
+                <a:cs typeface="+mn-cs"/>
+              </a:rPr>
+              <a:t>消息的方式，有一点将自己绑定好了被发射的感觉，</a:t>
+            </a:r>
+            <a:r>
+              <a:rPr lang="en-US" altLang="zh-CN" sz="1200" b="0" kern="1200" dirty="0" smtClean="0">
+                <a:solidFill>
+                  <a:schemeClr val="tx1"/>
+                </a:solidFill>
+                <a:effectLst/>
+                <a:latin typeface="+mn-ea"/>
+                <a:ea typeface="+mn-ea"/>
+                <a:cs typeface="+mn-cs"/>
+              </a:rPr>
+              <a:t>message.sendToTarget(); ---</a:t>
+            </a:r>
+            <a:r>
+              <a:rPr lang="zh-CN" altLang="en-US" sz="1200" b="0" kern="1200" dirty="0" smtClean="0">
+                <a:solidFill>
+                  <a:schemeClr val="tx1"/>
+                </a:solidFill>
+                <a:effectLst/>
+                <a:latin typeface="+mn-ea"/>
+                <a:ea typeface="+mn-ea"/>
+                <a:cs typeface="+mn-cs"/>
+              </a:rPr>
+              <a:t>被动（</a:t>
+            </a:r>
+            <a:r>
+              <a:rPr lang="zh-CN" altLang="en-US" sz="1200" b="0" kern="1200" smtClean="0">
+                <a:solidFill>
+                  <a:schemeClr val="tx1"/>
+                </a:solidFill>
+                <a:effectLst/>
+                <a:latin typeface="+mn-ea"/>
+                <a:ea typeface="+mn-ea"/>
+                <a:cs typeface="+mn-cs"/>
+              </a:rPr>
+              <a:t>意会）</a:t>
+            </a:r>
+            <a:endParaRPr lang="en-US" altLang="zh-CN" sz="1200" b="0" kern="1200" smtClean="0">
+              <a:solidFill>
+                <a:schemeClr val="tx1"/>
+              </a:solidFill>
+              <a:effectLst/>
+              <a:latin typeface="+mn-ea"/>
+              <a:ea typeface="+mn-ea"/>
+              <a:cs typeface="+mn-cs"/>
+            </a:endParaRPr>
+          </a:p>
+          <a:p>
+            <a:endParaRPr lang="en-US" altLang="zh-CN" sz="1200" b="0" kern="1200" dirty="0" smtClean="0">
+              <a:solidFill>
+                <a:schemeClr val="tx1"/>
+              </a:solidFill>
+              <a:effectLst/>
+              <a:latin typeface="+mn-ea"/>
+              <a:ea typeface="+mn-ea"/>
+              <a:cs typeface="+mn-cs"/>
+            </a:endParaRPr>
+          </a:p>
+          <a:p>
+            <a:r>
+              <a:rPr lang="en-US" altLang="zh-CN" sz="1200" b="0" kern="1200" smtClean="0">
+                <a:solidFill>
+                  <a:schemeClr val="tx1"/>
+                </a:solidFill>
+                <a:effectLst/>
+                <a:latin typeface="+mn-ea"/>
+                <a:ea typeface="+mn-ea"/>
+                <a:cs typeface="+mn-cs"/>
+              </a:rPr>
+              <a:t>2</a:t>
+            </a:r>
+            <a:r>
+              <a:rPr lang="zh-CN" altLang="en-US" sz="1200" b="0" kern="1200" dirty="0" smtClean="0">
+                <a:solidFill>
+                  <a:schemeClr val="tx1"/>
+                </a:solidFill>
+                <a:effectLst/>
+                <a:latin typeface="+mn-ea"/>
+                <a:ea typeface="+mn-ea"/>
+                <a:cs typeface="+mn-cs"/>
+              </a:rPr>
+              <a:t>、</a:t>
+            </a:r>
+            <a:r>
+              <a:rPr lang="en-US" altLang="zh-CN" sz="1200" b="0" kern="1200" dirty="0" smtClean="0">
+                <a:solidFill>
+                  <a:schemeClr val="tx1"/>
+                </a:solidFill>
+                <a:effectLst/>
+                <a:latin typeface="+mn-ea"/>
+                <a:ea typeface="+mn-ea"/>
+                <a:cs typeface="+mn-cs"/>
+              </a:rPr>
+              <a:t>handler</a:t>
+            </a:r>
+            <a:r>
+              <a:rPr lang="zh-CN" altLang="en-US" sz="1200" b="0" kern="1200" dirty="0" smtClean="0">
+                <a:solidFill>
+                  <a:schemeClr val="tx1"/>
+                </a:solidFill>
+                <a:effectLst/>
+                <a:latin typeface="+mn-ea"/>
+                <a:ea typeface="+mn-ea"/>
+                <a:cs typeface="+mn-cs"/>
+              </a:rPr>
+              <a:t>主动设置要发送的消息的各个属性值：</a:t>
+            </a:r>
+            <a:r>
+              <a:rPr lang="en-US" altLang="zh-CN" sz="1200" b="0" kern="1200" dirty="0" smtClean="0">
+                <a:solidFill>
+                  <a:schemeClr val="tx1"/>
+                </a:solidFill>
+                <a:effectLst/>
+                <a:latin typeface="+mn-ea"/>
+                <a:ea typeface="+mn-ea"/>
+                <a:cs typeface="+mn-cs"/>
+              </a:rPr>
+              <a:t>arg1</a:t>
+            </a:r>
+            <a:r>
+              <a:rPr lang="zh-CN" altLang="en-US" sz="1200" b="0" kern="1200" dirty="0" smtClean="0">
+                <a:solidFill>
+                  <a:schemeClr val="tx1"/>
+                </a:solidFill>
+                <a:effectLst/>
+                <a:latin typeface="+mn-ea"/>
+                <a:ea typeface="+mn-ea"/>
+                <a:cs typeface="+mn-cs"/>
+              </a:rPr>
+              <a:t>，</a:t>
+            </a:r>
+            <a:r>
+              <a:rPr lang="en-US" altLang="zh-CN" sz="1200" b="0" kern="1200" dirty="0" smtClean="0">
+                <a:solidFill>
+                  <a:schemeClr val="tx1"/>
+                </a:solidFill>
+                <a:effectLst/>
+                <a:latin typeface="+mn-ea"/>
+                <a:ea typeface="+mn-ea"/>
+                <a:cs typeface="+mn-cs"/>
+              </a:rPr>
+              <a:t>arg2</a:t>
+            </a:r>
+            <a:r>
+              <a:rPr lang="zh-CN" altLang="en-US" sz="1200" b="0" kern="1200" dirty="0" smtClean="0">
+                <a:solidFill>
+                  <a:schemeClr val="tx1"/>
+                </a:solidFill>
+                <a:effectLst/>
+                <a:latin typeface="+mn-ea"/>
+                <a:ea typeface="+mn-ea"/>
+                <a:cs typeface="+mn-cs"/>
+              </a:rPr>
+              <a:t>，</a:t>
+            </a:r>
+            <a:r>
+              <a:rPr lang="en-US" altLang="zh-CN" sz="1200" b="0" kern="1200" dirty="0" smtClean="0">
+                <a:solidFill>
+                  <a:schemeClr val="tx1"/>
+                </a:solidFill>
+                <a:effectLst/>
+                <a:latin typeface="+mn-ea"/>
+                <a:ea typeface="+mn-ea"/>
+                <a:cs typeface="+mn-cs"/>
+              </a:rPr>
+              <a:t>obj</a:t>
+            </a:r>
+            <a:r>
+              <a:rPr lang="zh-CN" altLang="en-US" sz="1200" b="0" kern="1200" dirty="0" smtClean="0">
+                <a:solidFill>
+                  <a:schemeClr val="tx1"/>
+                </a:solidFill>
+                <a:effectLst/>
+                <a:latin typeface="+mn-ea"/>
+                <a:ea typeface="+mn-ea"/>
+                <a:cs typeface="+mn-cs"/>
+              </a:rPr>
+              <a:t>，</a:t>
+            </a:r>
+            <a:r>
+              <a:rPr lang="en-US" altLang="zh-CN" sz="1200" b="0" kern="1200" smtClean="0">
+                <a:solidFill>
+                  <a:schemeClr val="tx1"/>
+                </a:solidFill>
+                <a:effectLst/>
+                <a:latin typeface="+mn-ea"/>
+                <a:ea typeface="+mn-ea"/>
+                <a:cs typeface="+mn-cs"/>
+              </a:rPr>
+              <a:t>what</a:t>
+            </a:r>
+            <a:r>
+              <a:rPr lang="zh-CN" altLang="en-US" sz="1200" b="0" kern="1200" smtClean="0">
+                <a:solidFill>
+                  <a:schemeClr val="tx1"/>
+                </a:solidFill>
+                <a:effectLst/>
+                <a:latin typeface="+mn-ea"/>
+                <a:ea typeface="+mn-ea"/>
+                <a:cs typeface="+mn-cs"/>
+              </a:rPr>
+              <a:t>。</a:t>
+            </a:r>
+            <a:endParaRPr lang="en-US" altLang="zh-CN" sz="1200" b="0" kern="1200" smtClean="0">
+              <a:solidFill>
+                <a:schemeClr val="tx1"/>
+              </a:solidFill>
+              <a:effectLst/>
+              <a:latin typeface="+mn-ea"/>
+              <a:ea typeface="+mn-ea"/>
+              <a:cs typeface="+mn-cs"/>
+            </a:endParaRPr>
+          </a:p>
+          <a:p>
+            <a:r>
+              <a:rPr lang="zh-CN" altLang="en-US" sz="1200" b="0" kern="1200" smtClean="0">
+                <a:solidFill>
+                  <a:schemeClr val="tx1"/>
+                </a:solidFill>
+                <a:effectLst/>
+                <a:latin typeface="+mn-ea"/>
+                <a:ea typeface="+mn-ea"/>
+                <a:cs typeface="+mn-cs"/>
+              </a:rPr>
+              <a:t>方法：</a:t>
+            </a:r>
+            <a:endParaRPr lang="en-US" altLang="zh-CN" sz="1200" b="0" kern="1200" smtClean="0">
+              <a:solidFill>
+                <a:schemeClr val="tx1"/>
+              </a:solidFill>
+              <a:effectLst/>
+              <a:latin typeface="+mn-ea"/>
+              <a:ea typeface="+mn-ea"/>
+              <a:cs typeface="+mn-cs"/>
+            </a:endParaRPr>
+          </a:p>
+          <a:p>
+            <a:r>
+              <a:rPr lang="en-US" altLang="zh-CN" sz="1200" b="0" kern="1200" smtClean="0">
+                <a:solidFill>
+                  <a:schemeClr val="tx1"/>
+                </a:solidFill>
+                <a:effectLst/>
+                <a:latin typeface="+mn-ea"/>
+                <a:ea typeface="+mn-ea"/>
+                <a:cs typeface="+mn-cs"/>
+              </a:rPr>
+              <a:t>    public </a:t>
+            </a:r>
+            <a:r>
+              <a:rPr lang="en-US" altLang="zh-CN" sz="1200" b="0" kern="1200" dirty="0" smtClean="0">
+                <a:solidFill>
+                  <a:schemeClr val="tx1"/>
+                </a:solidFill>
+                <a:effectLst/>
+                <a:latin typeface="+mn-ea"/>
+                <a:ea typeface="+mn-ea"/>
+                <a:cs typeface="+mn-cs"/>
+              </a:rPr>
+              <a:t>final Message obtainMessage(int what, int arg1, int arg2, Object obj)</a:t>
+            </a:r>
+            <a:r>
+              <a:rPr lang="en-US" altLang="zh-CN" sz="1200" b="0" kern="1200" smtClean="0">
+                <a:solidFill>
+                  <a:schemeClr val="tx1"/>
+                </a:solidFill>
+                <a:effectLst/>
+                <a:latin typeface="+mn-ea"/>
+                <a:ea typeface="+mn-ea"/>
+                <a:cs typeface="+mn-cs"/>
+              </a:rPr>
+              <a:t> </a:t>
+            </a:r>
+          </a:p>
+          <a:p>
+            <a:endParaRPr lang="en-US" altLang="zh-CN" sz="1200" b="0" kern="1200" smtClean="0">
+              <a:solidFill>
+                <a:schemeClr val="tx1"/>
+              </a:solidFill>
+              <a:effectLst/>
+              <a:latin typeface="+mn-ea"/>
+              <a:ea typeface="+mn-ea"/>
+              <a:cs typeface="+mn-cs"/>
+            </a:endParaRPr>
+          </a:p>
+          <a:p>
+            <a:r>
+              <a:rPr lang="en-US" altLang="zh-CN" sz="1200" b="0" kern="1200" smtClean="0">
+                <a:solidFill>
+                  <a:schemeClr val="tx1"/>
+                </a:solidFill>
+                <a:effectLst/>
+                <a:latin typeface="+mn-ea"/>
+                <a:ea typeface="+mn-ea"/>
+                <a:cs typeface="+mn-cs"/>
+              </a:rPr>
+              <a:t>    </a:t>
+            </a:r>
+            <a:r>
+              <a:rPr lang="zh-CN" altLang="en-US" sz="1200" b="0" kern="1200" smtClean="0">
+                <a:solidFill>
+                  <a:schemeClr val="tx1"/>
+                </a:solidFill>
+                <a:effectLst/>
+                <a:latin typeface="+mn-ea"/>
+                <a:ea typeface="+mn-ea"/>
+                <a:cs typeface="+mn-cs"/>
+              </a:rPr>
+              <a:t>通过</a:t>
+            </a:r>
+            <a:r>
+              <a:rPr lang="zh-CN" altLang="en-US" sz="1200" b="0" kern="1200" dirty="0" smtClean="0">
+                <a:solidFill>
+                  <a:schemeClr val="tx1"/>
+                </a:solidFill>
+                <a:effectLst/>
+                <a:latin typeface="+mn-ea"/>
+                <a:ea typeface="+mn-ea"/>
+                <a:cs typeface="+mn-cs"/>
+              </a:rPr>
+              <a:t>该方法也可以获得一个</a:t>
+            </a:r>
+            <a:r>
+              <a:rPr lang="zh-CN" altLang="en-US" sz="1200" b="0" kern="1200" smtClean="0">
+                <a:solidFill>
+                  <a:schemeClr val="tx1"/>
+                </a:solidFill>
+                <a:effectLst/>
+                <a:latin typeface="+mn-ea"/>
+                <a:ea typeface="+mn-ea"/>
+                <a:cs typeface="+mn-cs"/>
+              </a:rPr>
+              <a:t>消息：</a:t>
+            </a:r>
+            <a:endParaRPr lang="en-US" altLang="zh-CN" sz="1200" b="0" kern="1200" smtClean="0">
+              <a:solidFill>
+                <a:schemeClr val="tx1"/>
+              </a:solidFill>
+              <a:effectLst/>
+              <a:latin typeface="+mn-ea"/>
+              <a:ea typeface="+mn-ea"/>
+              <a:cs typeface="+mn-cs"/>
+            </a:endParaRPr>
+          </a:p>
+          <a:p>
+            <a:r>
+              <a:rPr lang="en-US" altLang="zh-CN" sz="1200" b="0" kern="1200" smtClean="0">
+                <a:solidFill>
+                  <a:schemeClr val="tx1"/>
+                </a:solidFill>
+                <a:effectLst/>
+                <a:latin typeface="+mn-ea"/>
+                <a:ea typeface="+mn-ea"/>
+                <a:cs typeface="+mn-cs"/>
+              </a:rPr>
+              <a:t>    </a:t>
+            </a:r>
+            <a:r>
+              <a:rPr lang="zh-CN" altLang="en-US" sz="1200" b="0" kern="1200" smtClean="0">
+                <a:solidFill>
+                  <a:schemeClr val="tx1"/>
+                </a:solidFill>
+                <a:effectLst/>
+                <a:latin typeface="+mn-ea"/>
+                <a:ea typeface="+mn-ea"/>
+                <a:cs typeface="+mn-cs"/>
+              </a:rPr>
+              <a:t>比如</a:t>
+            </a:r>
+            <a:r>
+              <a:rPr lang="en-US" altLang="zh-CN" sz="1200" b="0" kern="1200" dirty="0" smtClean="0">
+                <a:solidFill>
+                  <a:schemeClr val="tx1"/>
+                </a:solidFill>
+                <a:effectLst/>
+                <a:latin typeface="+mn-ea"/>
+                <a:ea typeface="+mn-ea"/>
+                <a:cs typeface="+mn-cs"/>
+              </a:rPr>
+              <a:t>Message message = handler.obtainMessage(3, 1, 2, "java");</a:t>
+            </a:r>
+            <a:endParaRPr lang="en-US" altLang="zh-CN" b="0" dirty="0" smtClean="0">
+              <a:latin typeface="+mn-ea"/>
+              <a:ea typeface="+mn-ea"/>
+            </a:endParaRPr>
+          </a:p>
+          <a:p>
+            <a:endParaRPr lang="en-US" altLang="zh-CN" sz="1200" b="0" kern="1200" smtClean="0">
+              <a:solidFill>
+                <a:schemeClr val="tx1"/>
+              </a:solidFill>
+              <a:effectLst/>
+              <a:latin typeface="+mn-ea"/>
+              <a:ea typeface="+mn-ea"/>
+              <a:cs typeface="+mn-cs"/>
+            </a:endParaRPr>
+          </a:p>
+          <a:p>
+            <a:r>
+              <a:rPr lang="zh-CN" altLang="en-US" sz="1200" b="0" kern="1200" smtClean="0">
+                <a:solidFill>
+                  <a:schemeClr val="tx1"/>
+                </a:solidFill>
+                <a:effectLst/>
+                <a:latin typeface="+mn-ea"/>
+                <a:ea typeface="+mn-ea"/>
+                <a:cs typeface="+mn-cs"/>
+              </a:rPr>
+              <a:t>然后</a:t>
+            </a:r>
+            <a:r>
+              <a:rPr lang="zh-CN" altLang="en-US" sz="1200" b="0" kern="1200" dirty="0" smtClean="0">
+                <a:solidFill>
+                  <a:schemeClr val="tx1"/>
+                </a:solidFill>
+                <a:effectLst/>
+                <a:latin typeface="+mn-ea"/>
+                <a:ea typeface="+mn-ea"/>
+                <a:cs typeface="+mn-cs"/>
+              </a:rPr>
+              <a:t>将设置好的消息，由</a:t>
+            </a:r>
+            <a:r>
+              <a:rPr lang="en-US" altLang="zh-CN" sz="1200" b="0" kern="1200" dirty="0" smtClean="0">
+                <a:solidFill>
+                  <a:schemeClr val="tx1"/>
+                </a:solidFill>
+                <a:effectLst/>
+                <a:latin typeface="+mn-ea"/>
+                <a:ea typeface="+mn-ea"/>
+                <a:cs typeface="+mn-cs"/>
+              </a:rPr>
+              <a:t>handler</a:t>
+            </a:r>
+            <a:r>
+              <a:rPr lang="zh-CN" altLang="en-US" sz="1200" b="0" kern="1200" dirty="0" smtClean="0">
+                <a:solidFill>
+                  <a:schemeClr val="tx1"/>
+                </a:solidFill>
+                <a:effectLst/>
+                <a:latin typeface="+mn-ea"/>
+                <a:ea typeface="+mn-ea"/>
+                <a:cs typeface="+mn-cs"/>
+              </a:rPr>
+              <a:t>发送出去：</a:t>
+            </a:r>
+            <a:r>
+              <a:rPr lang="en-US" altLang="zh-CN" sz="1200" b="0" kern="1200" dirty="0" smtClean="0">
+                <a:solidFill>
+                  <a:schemeClr val="tx1"/>
+                </a:solidFill>
+                <a:effectLst/>
+                <a:latin typeface="+mn-ea"/>
+                <a:ea typeface="+mn-ea"/>
+                <a:cs typeface="+mn-cs"/>
+              </a:rPr>
+              <a:t>handler.sendMessage(message);----</a:t>
+            </a:r>
+            <a:r>
+              <a:rPr lang="zh-CN" altLang="en-US" sz="1200" b="0" kern="1200" dirty="0" smtClean="0">
+                <a:solidFill>
+                  <a:schemeClr val="tx1"/>
+                </a:solidFill>
+                <a:effectLst/>
+                <a:latin typeface="+mn-ea"/>
+                <a:ea typeface="+mn-ea"/>
+                <a:cs typeface="+mn-cs"/>
+              </a:rPr>
+              <a:t>主动（自己意会的）。</a:t>
+            </a:r>
+            <a:endParaRPr lang="zh-CN" altLang="en-US" b="0" dirty="0" smtClean="0">
+              <a:latin typeface="+mn-ea"/>
+              <a:ea typeface="+mn-ea"/>
+            </a:endParaRPr>
+          </a:p>
+          <a:p>
+            <a:endParaRPr lang="zh-CN" altLang="en-US" b="0" dirty="0">
+              <a:latin typeface="+mn-ea"/>
+              <a:ea typeface="+mn-ea"/>
+            </a:endParaRPr>
+          </a:p>
+        </p:txBody>
+      </p:sp>
+      <p:sp>
+        <p:nvSpPr>
+          <p:cNvPr id="4" name="灯片编号占位符 3"/>
+          <p:cNvSpPr>
+            <a:spLocks noGrp="1"/>
+          </p:cNvSpPr>
+          <p:nvPr>
+            <p:ph type="sldNum" sz="quarter" idx="10"/>
+          </p:nvPr>
+        </p:nvSpPr>
+        <p:spPr/>
+        <p:txBody>
+          <a:bodyPr/>
+          <a:lstStyle/>
+          <a:p>
+            <a:fld id="{67AFED13-18EC-4853-B935-6E23F2540B2D}" type="slidenum">
+              <a:rPr lang="zh-CN" altLang="en-US" smtClean="0"/>
               <a:t>16</a:t>
             </a:fld>
             <a:endParaRPr lang="zh-CN" altLang="en-US"/>
@@ -3553,7 +3641,7 @@
 </p:notes>
 </file>
 
-<file path=ppt/notesSlides/notesSlide5.xml><?xml version="1.0" encoding="utf-8"?>
+<file path=ppt/notesSlides/notesSlide6.xml><?xml version="1.0" encoding="utf-8"?>
 <p:notes xmlns:a="http://schemas.openxmlformats.org/drawingml/2006/main" xmlns:r="http://schemas.openxmlformats.org/officeDocument/2006/relationships" xmlns:p="http://schemas.openxmlformats.org/presentationml/2006/main">
   <p:cSld>
     <p:spTree>
@@ -4715,7 +4803,7 @@
           <a:p>
             <a:fld id="{530820CF-B880-4189-942D-D702A7CBA730}" type="datetimeFigureOut">
               <a:rPr lang="zh-CN" altLang="en-US" smtClean="0"/>
-              <a:t>2018/3/19</a:t>
+              <a:t>2018/10/15</a:t>
             </a:fld>
             <a:endParaRPr lang="zh-CN" altLang="en-US"/>
           </a:p>
@@ -4834,7 +4922,7 @@
           <a:p>
             <a:fld id="{530820CF-B880-4189-942D-D702A7CBA730}" type="datetimeFigureOut">
               <a:rPr lang="zh-CN" altLang="en-US" smtClean="0"/>
-              <a:t>2018/3/19</a:t>
+              <a:t>2018/10/15</a:t>
             </a:fld>
             <a:endParaRPr lang="zh-CN" altLang="en-US"/>
           </a:p>
@@ -5237,7 +5325,7 @@
           <a:p>
             <a:fld id="{530820CF-B880-4189-942D-D702A7CBA730}" type="datetimeFigureOut">
               <a:rPr lang="zh-CN" altLang="en-US" smtClean="0"/>
-              <a:t>2018/3/19</a:t>
+              <a:t>2018/10/15</a:t>
             </a:fld>
             <a:endParaRPr lang="zh-CN" altLang="en-US"/>
           </a:p>
@@ -11570,7 +11658,7 @@
               <a:defRPr/>
             </a:pPr>
             <a:r>
-              <a:rPr lang="zh-CN" altLang="en-US" smtClean="0">
+              <a:rPr lang="zh-CN" altLang="en-US" dirty="0" smtClean="0">
                 <a:solidFill>
                   <a:schemeClr val="tx1">
                     <a:lumMod val="85000"/>
@@ -11810,21 +11898,10 @@
                   </a:schemeClr>
                 </a:solidFill>
               </a:rPr>
-              <a:t>对象的方法</a:t>
-            </a:r>
-            <a:r>
-              <a:rPr lang="zh-CN" altLang="en-US" sz="3200">
-                <a:solidFill>
-                  <a:schemeClr val="tx1">
-                    <a:lumMod val="85000"/>
-                    <a:lumOff val="15000"/>
-                  </a:schemeClr>
-                </a:solidFill>
-              </a:rPr>
-              <a:t>为</a:t>
-            </a:r>
-            <a:r>
-              <a:rPr lang="zh-CN" altLang="en-US" sz="3200" smtClean="0">
+              <a:t>对象的方法为</a:t>
+            </a:r>
+            <a:r>
+              <a:rPr lang="zh-CN" altLang="en-US" sz="3200" dirty="0" smtClean="0">
                 <a:solidFill>
                   <a:schemeClr val="tx1">
                     <a:lumMod val="85000"/>
@@ -11971,7 +12048,7 @@
               </a:spcAft>
             </a:pPr>
             <a:r>
-              <a:rPr lang="en-US" altLang="zh-CN" sz="2400" b="1">
+              <a:rPr lang="en-US" altLang="zh-CN" sz="2400" b="1" dirty="0" err="1">
                 <a:solidFill>
                   <a:schemeClr val="tx1">
                     <a:lumMod val="85000"/>
@@ -11984,7 +12061,7 @@
               <a:t>h.removeCallbacks</a:t>
             </a:r>
             <a:r>
-              <a:rPr lang="en-US" altLang="zh-CN" sz="2400" b="1" smtClean="0">
+              <a:rPr lang="en-US" altLang="zh-CN" sz="2400" b="1" dirty="0" smtClean="0">
                 <a:solidFill>
                   <a:schemeClr val="tx1">
                     <a:lumMod val="85000"/>
@@ -11997,7 +12074,7 @@
               <a:t>( Runnable </a:t>
             </a:r>
             <a:r>
-              <a:rPr lang="en-US" altLang="zh-CN" sz="2400" b="1">
+              <a:rPr lang="en-US" altLang="zh-CN" sz="2400" b="1" dirty="0">
                 <a:solidFill>
                   <a:schemeClr val="tx1">
                     <a:lumMod val="85000"/>
@@ -14419,21 +14496,10 @@
                   </a:schemeClr>
                 </a:solidFill>
               </a:rPr>
-              <a:t>线程，这个类准许执行</a:t>
-            </a:r>
-            <a:r>
-              <a:rPr lang="zh-CN" altLang="en-US">
-                <a:solidFill>
-                  <a:schemeClr val="tx1">
-                    <a:lumMod val="85000"/>
-                    <a:lumOff val="15000"/>
-                  </a:schemeClr>
-                </a:solidFill>
-              </a:rPr>
-              <a:t>后台</a:t>
-            </a:r>
-            <a:r>
-              <a:rPr lang="zh-CN" altLang="en-US" smtClean="0">
+              <a:t>线程，这个类准许执行后台</a:t>
+            </a:r>
+            <a:r>
+              <a:rPr lang="zh-CN" altLang="en-US" dirty="0" smtClean="0">
                 <a:solidFill>
                   <a:schemeClr val="tx1">
                     <a:lumMod val="85000"/>
@@ -14490,21 +14556,10 @@
                   </a:schemeClr>
                 </a:solidFill>
               </a:rPr>
-              <a:t>线程上显示的</a:t>
-            </a:r>
-            <a:r>
-              <a:rPr lang="zh-CN" altLang="en-US">
-                <a:solidFill>
-                  <a:schemeClr val="tx1">
-                    <a:lumMod val="85000"/>
-                    <a:lumOff val="15000"/>
-                  </a:schemeClr>
-                </a:solidFill>
-              </a:rPr>
-              <a:t>一</a:t>
-            </a:r>
-            <a:r>
-              <a:rPr lang="zh-CN" altLang="en-US" smtClean="0">
+              <a:t>线程上显示的一</a:t>
+            </a:r>
+            <a:r>
+              <a:rPr lang="zh-CN" altLang="en-US" dirty="0" smtClean="0">
                 <a:solidFill>
                   <a:schemeClr val="tx1">
                     <a:lumMod val="85000"/>
@@ -19745,80 +19800,66 @@
       </p:sp>
       <p:pic>
         <p:nvPicPr>
-          <p:cNvPr id="4" name="内容占位符 3"/>
+          <p:cNvPr id="1026" name="Picture 2"/>
           <p:cNvPicPr>
-            <a:picLocks noChangeAspect="1"/>
+            <a:picLocks noChangeAspect="1" noChangeArrowheads="1"/>
           </p:cNvPicPr>
           <p:nvPr/>
         </p:nvPicPr>
         <p:blipFill>
-          <a:blip r:embed="rId2"/>
+          <a:blip r:embed="rId3">
+            <a:extLst>
+              <a:ext uri="{28A0092B-C50C-407E-A947-70E740481C1C}">
+                <a14:useLocalDpi xmlns:a14="http://schemas.microsoft.com/office/drawing/2010/main" val="0"/>
+              </a:ext>
+            </a:extLst>
+          </a:blip>
+          <a:srcRect/>
           <a:stretch>
             <a:fillRect/>
           </a:stretch>
         </p:blipFill>
-        <p:spPr>
+        <p:spPr bwMode="auto">
           <a:xfrm>
-            <a:off x="8688288" y="2067075"/>
-            <a:ext cx="2808312" cy="4287246"/>
+            <a:off x="8616280" y="1700808"/>
+            <a:ext cx="2714625" cy="4505325"/>
           </a:xfrm>
           <a:prstGeom prst="rect">
             <a:avLst/>
           </a:prstGeom>
+          <a:noFill/>
           <a:ln>
-            <a:solidFill>
-              <a:schemeClr val="tx1">
-                <a:lumMod val="85000"/>
-                <a:lumOff val="15000"/>
-              </a:schemeClr>
-            </a:solidFill>
+            <a:noFill/>
           </a:ln>
-          <a:effectLst>
-            <a:outerShdw blurRad="50800" dist="38100" dir="2700000" algn="tl" rotWithShape="0">
-              <a:prstClr val="black">
-                <a:alpha val="40000"/>
-              </a:prstClr>
-            </a:outerShdw>
-          </a:effectLst>
-        </p:spPr>
-      </p:pic>
-      <p:pic>
-        <p:nvPicPr>
-          <p:cNvPr id="5" name="图片 4"/>
-          <p:cNvPicPr>
-            <a:picLocks noChangeAspect="1"/>
-          </p:cNvPicPr>
-          <p:nvPr/>
-        </p:nvPicPr>
-        <p:blipFill>
-          <a:blip r:embed="rId3"/>
-          <a:stretch>
-            <a:fillRect/>
-          </a:stretch>
-        </p:blipFill>
-        <p:spPr>
-          <a:xfrm>
-            <a:off x="5357865" y="4365104"/>
-            <a:ext cx="2970383" cy="1989216"/>
-          </a:xfrm>
-          <a:prstGeom prst="rect">
-            <a:avLst/>
-          </a:prstGeom>
-          <a:ln>
-            <a:solidFill>
-              <a:schemeClr val="tx1">
-                <a:lumMod val="85000"/>
-                <a:lumOff val="15000"/>
-              </a:schemeClr>
-            </a:solidFill>
-          </a:ln>
-          <a:effectLst>
-            <a:outerShdw blurRad="50800" dist="38100" dir="2700000" algn="tl" rotWithShape="0">
-              <a:prstClr val="black">
-                <a:alpha val="40000"/>
-              </a:prstClr>
-            </a:outerShdw>
-          </a:effectLst>
+          <a:effectLst/>
+          <a:extLst>
+            <a:ext uri="{909E8E84-426E-40DD-AFC4-6F175D3DCCD1}">
+              <a14:hiddenFill xmlns:a14="http://schemas.microsoft.com/office/drawing/2010/main">
+                <a:solidFill>
+                  <a:schemeClr val="accent1"/>
+                </a:solidFill>
+              </a14:hiddenFill>
+            </a:ext>
+            <a:ext uri="{91240B29-F687-4F45-9708-019B960494DF}">
+              <a14:hiddenLine xmlns:a14="http://schemas.microsoft.com/office/drawing/2010/main" w="9525">
+                <a:solidFill>
+                  <a:schemeClr val="tx1"/>
+                </a:solidFill>
+                <a:miter lim="800000"/>
+                <a:headEnd/>
+                <a:tailEnd/>
+              </a14:hiddenLine>
+            </a:ext>
+            <a:ext uri="{AF507438-7753-43E0-B8FC-AC1667EBCBE1}">
+              <a14:hiddenEffects xmlns:a14="http://schemas.microsoft.com/office/drawing/2010/main">
+                <a:effectLst>
+                  <a:outerShdw dist="35921" dir="2700000" algn="ctr" rotWithShape="0">
+                    <a:schemeClr val="bg2"/>
+                  </a:outerShdw>
+                </a:effectLst>
+              </a14:hiddenEffects>
+            </a:ext>
+          </a:extLst>
         </p:spPr>
       </p:pic>
     </p:spTree>
@@ -19952,21 +19993,10 @@
                   </a:schemeClr>
                 </a:solidFill>
               </a:rPr>
-              <a:t>当耗时工作在执行时，检验用户当前是否可以</a:t>
-            </a:r>
-            <a:r>
-              <a:rPr lang="zh-CN" altLang="en-US" sz="3200">
-                <a:solidFill>
-                  <a:schemeClr val="tx1">
-                    <a:lumMod val="85000"/>
-                    <a:lumOff val="15000"/>
-                  </a:schemeClr>
-                </a:solidFill>
-              </a:rPr>
-              <a:t>执行</a:t>
-            </a:r>
-            <a:r>
-              <a:rPr lang="zh-CN" altLang="en-US" sz="3200" smtClean="0">
+              <a:t>当耗时工作在执行时，检验用户当前是否可以执行</a:t>
+            </a:r>
+            <a:r>
+              <a:rPr lang="zh-CN" altLang="en-US" sz="3200" dirty="0" smtClean="0">
                 <a:solidFill>
                   <a:schemeClr val="tx1">
                     <a:lumMod val="85000"/>
@@ -19977,7 +20007,7 @@
               <a:t>其</a:t>
             </a:r>
             <a:r>
-              <a:rPr lang="zh-CN" altLang="en-US" sz="3200">
+              <a:rPr lang="zh-CN" altLang="en-US" sz="3200" dirty="0">
                 <a:solidFill>
                   <a:schemeClr val="tx1">
                     <a:lumMod val="85000"/>
@@ -19988,7 +20018,7 @@
               <a:t>它</a:t>
             </a:r>
             <a:r>
-              <a:rPr lang="zh-CN" altLang="en-US" sz="3200" smtClean="0">
+              <a:rPr lang="zh-CN" altLang="en-US" sz="3200" dirty="0" smtClean="0">
                 <a:solidFill>
                   <a:schemeClr val="tx1">
                     <a:lumMod val="85000"/>
@@ -19998,7 +20028,7 @@
               </a:rPr>
               <a:t>操作？</a:t>
             </a:r>
-            <a:endParaRPr lang="en-US" altLang="zh-CN" sz="3200" smtClean="0">
+            <a:endParaRPr lang="en-US" altLang="zh-CN" sz="3200" dirty="0" smtClean="0">
               <a:solidFill>
                 <a:schemeClr val="tx1">
                   <a:lumMod val="85000"/>
@@ -20017,7 +20047,7 @@
               <a:defRPr/>
             </a:pPr>
             <a:r>
-              <a:rPr lang="zh-CN" altLang="en-US" sz="3200" smtClean="0">
+              <a:rPr lang="zh-CN" altLang="en-US" sz="3200" dirty="0" smtClean="0">
                 <a:solidFill>
                   <a:schemeClr val="tx1">
                     <a:lumMod val="85000"/>
@@ -20036,21 +20066,10 @@
                   </a:schemeClr>
                 </a:solidFill>
               </a:rPr>
-              <a:t>其它按钮是否有</a:t>
-            </a:r>
-            <a:r>
-              <a:rPr lang="zh-CN" altLang="en-US" sz="3200">
-                <a:solidFill>
-                  <a:schemeClr val="tx1">
-                    <a:lumMod val="85000"/>
-                    <a:lumOff val="15000"/>
-                  </a:schemeClr>
-                </a:solidFill>
-              </a:rPr>
-              <a:t>反应</a:t>
-            </a:r>
-            <a:r>
-              <a:rPr lang="zh-CN" altLang="en-US" sz="3200" smtClean="0">
+              <a:t>其它按钮是否有反应</a:t>
+            </a:r>
+            <a:r>
+              <a:rPr lang="zh-CN" altLang="en-US" sz="3200" dirty="0" smtClean="0">
                 <a:solidFill>
                   <a:schemeClr val="tx1">
                     <a:lumMod val="85000"/>
@@ -20060,7 +20079,7 @@
               </a:rPr>
               <a:t>？</a:t>
             </a:r>
-            <a:endParaRPr lang="en-US" altLang="zh-CN" sz="3200" smtClean="0">
+            <a:endParaRPr lang="en-US" altLang="zh-CN" sz="3200" dirty="0" smtClean="0">
               <a:solidFill>
                 <a:schemeClr val="tx1">
                   <a:lumMod val="85000"/>
@@ -20079,7 +20098,7 @@
               <a:defRPr/>
             </a:pPr>
             <a:r>
-              <a:rPr lang="zh-CN" altLang="en-US" sz="3200" smtClean="0">
+              <a:rPr lang="zh-CN" altLang="en-US" sz="3200" dirty="0" smtClean="0">
                 <a:solidFill>
                   <a:schemeClr val="tx1">
                     <a:lumMod val="85000"/>
@@ -20098,21 +20117,10 @@
                   </a:schemeClr>
                 </a:solidFill>
               </a:rPr>
-              <a:t>其它视图元素绑定的事件是否有</a:t>
-            </a:r>
-            <a:r>
-              <a:rPr lang="zh-CN" altLang="en-US" sz="3200">
-                <a:solidFill>
-                  <a:schemeClr val="tx1">
-                    <a:lumMod val="85000"/>
-                    <a:lumOff val="15000"/>
-                  </a:schemeClr>
-                </a:solidFill>
-              </a:rPr>
-              <a:t>反应</a:t>
-            </a:r>
-            <a:r>
-              <a:rPr lang="zh-CN" altLang="en-US" sz="3200" smtClean="0">
+              <a:t>其它视图元素绑定的事件是否有反应</a:t>
+            </a:r>
+            <a:r>
+              <a:rPr lang="zh-CN" altLang="en-US" sz="3200" dirty="0" smtClean="0">
                 <a:solidFill>
                   <a:schemeClr val="tx1">
                     <a:lumMod val="85000"/>
@@ -20172,21 +20180,10 @@
                   </a:schemeClr>
                 </a:solidFill>
               </a:rPr>
-              <a:t>Android too much work in main</a:t>
-            </a:r>
-            <a:r>
-              <a:rPr lang="en-US" altLang="zh-CN" sz="3200">
-                <a:solidFill>
-                  <a:schemeClr val="tx1">
-                    <a:lumMod val="85000"/>
-                    <a:lumOff val="15000"/>
-                  </a:schemeClr>
-                </a:solidFill>
-              </a:rPr>
-              <a:t> </a:t>
-            </a:r>
-            <a:r>
-              <a:rPr lang="en-US" altLang="zh-CN" sz="3200" smtClean="0">
+              <a:t>Android too much work in main </a:t>
+            </a:r>
+            <a:r>
+              <a:rPr lang="en-US" altLang="zh-CN" sz="3200" dirty="0" smtClean="0">
                 <a:solidFill>
                   <a:schemeClr val="tx1">
                     <a:lumMod val="85000"/>
